--- a/Lectures/lec8-er-model.pptx
+++ b/Lectures/lec8-er-model.pptx
@@ -5,7 +5,7 @@
     <p:sldMasterId id="2147483660" r:id="rId1"/>
   </p:sldMasterIdLst>
   <p:notesMasterIdLst>
-    <p:notesMasterId r:id="rId53"/>
+    <p:notesMasterId r:id="rId54"/>
   </p:notesMasterIdLst>
   <p:sldIdLst>
     <p:sldId id="256" r:id="rId2"/>
@@ -53,12 +53,13 @@
     <p:sldId id="815" r:id="rId44"/>
     <p:sldId id="816" r:id="rId45"/>
     <p:sldId id="818" r:id="rId46"/>
-    <p:sldId id="782" r:id="rId47"/>
-    <p:sldId id="783" r:id="rId48"/>
-    <p:sldId id="785" r:id="rId49"/>
-    <p:sldId id="823" r:id="rId50"/>
-    <p:sldId id="787" r:id="rId51"/>
-    <p:sldId id="328" r:id="rId52"/>
+    <p:sldId id="824" r:id="rId47"/>
+    <p:sldId id="782" r:id="rId48"/>
+    <p:sldId id="783" r:id="rId49"/>
+    <p:sldId id="785" r:id="rId50"/>
+    <p:sldId id="823" r:id="rId51"/>
+    <p:sldId id="787" r:id="rId52"/>
+    <p:sldId id="328" r:id="rId53"/>
   </p:sldIdLst>
   <p:sldSz cx="9144000" cy="6858000" type="screen4x3"/>
   <p:notesSz cx="6858000" cy="9144000"/>
@@ -247,7 +248,7 @@
           <a:p>
             <a:fld id="{2736D85D-8AD2-3E48-9003-FE0FC165286A}" type="datetimeFigureOut">
               <a:rPr lang="en-US" smtClean="0"/>
-              <a:t>10/30/18</a:t>
+              <a:t>10/31/18</a:t>
             </a:fld>
             <a:endParaRPr lang="en-US"/>
           </a:p>
@@ -1557,15 +1558,7 @@
             </a:r>
             <a:r>
               <a:rPr lang="en-US" baseline="0" dirty="0"/>
-              <a:t> people should be </a:t>
-            </a:r>
-            <a:r>
-              <a:rPr lang="en-US" baseline="0" dirty="0" err="1"/>
-              <a:t>entitites</a:t>
-            </a:r>
-            <a:r>
-              <a:rPr lang="en-US" baseline="0" dirty="0"/>
-              <a:t>!</a:t>
+              <a:t> people should be entities!</a:t>
             </a:r>
             <a:endParaRPr lang="en-US" dirty="0"/>
           </a:p>
@@ -2119,7 +2112,7 @@
           <a:p>
             <a:fld id="{F8217A12-A6ED-4C4A-8400-036634305785}" type="slidenum">
               <a:rPr lang="en-US" smtClean="0"/>
-              <a:t>51</a:t>
+              <a:t>52</a:t>
             </a:fld>
             <a:endParaRPr lang="en-US"/>
           </a:p>
@@ -2984,7 +2977,7 @@
           <a:p>
             <a:fld id="{B2B0322F-5E7E-564B-947F-BDD255A09321}" type="datetime1">
               <a:rPr lang="en-US" smtClean="0"/>
-              <a:t>10/30/18</a:t>
+              <a:t>10/31/18</a:t>
             </a:fld>
             <a:endParaRPr lang="en-US"/>
           </a:p>
@@ -3157,7 +3150,7 @@
           <a:p>
             <a:fld id="{BFA425E5-547B-6840-828D-09E87D9CD2CA}" type="datetime1">
               <a:rPr lang="en-US" smtClean="0"/>
-              <a:t>10/30/18</a:t>
+              <a:t>10/31/18</a:t>
             </a:fld>
             <a:endParaRPr lang="en-US"/>
           </a:p>
@@ -3340,7 +3333,7 @@
           <a:p>
             <a:fld id="{2C9C20AA-72F1-EC49-9202-1952253DBCF4}" type="datetime1">
               <a:rPr lang="en-US" smtClean="0"/>
-              <a:t>10/30/18</a:t>
+              <a:t>10/31/18</a:t>
             </a:fld>
             <a:endParaRPr lang="en-US"/>
           </a:p>
@@ -3517,7 +3510,7 @@
           <a:p>
             <a:fld id="{2B4CB9B8-D5C3-AA47-A4BF-20B97DB073AF}" type="datetime1">
               <a:rPr lang="en-US" smtClean="0"/>
-              <a:t>10/30/18</a:t>
+              <a:t>10/31/18</a:t>
             </a:fld>
             <a:endParaRPr lang="en-US"/>
           </a:p>
@@ -3764,7 +3757,7 @@
           <a:p>
             <a:fld id="{462B4562-74EA-D94C-B836-A2615259BA9A}" type="datetime1">
               <a:rPr lang="en-US" smtClean="0"/>
-              <a:t>10/30/18</a:t>
+              <a:t>10/31/18</a:t>
             </a:fld>
             <a:endParaRPr lang="en-US"/>
           </a:p>
@@ -4004,7 +3997,7 @@
           <a:p>
             <a:fld id="{E680F1CC-E5A1-0F4A-8246-3DD5AADB51DD}" type="datetime1">
               <a:rPr lang="en-US" smtClean="0"/>
-              <a:t>10/30/18</a:t>
+              <a:t>10/31/18</a:t>
             </a:fld>
             <a:endParaRPr lang="en-US"/>
           </a:p>
@@ -4374,7 +4367,7 @@
           <a:p>
             <a:fld id="{D86684E6-D3F7-664E-BD94-F1DCB8A32BD7}" type="datetime1">
               <a:rPr lang="en-US" smtClean="0"/>
-              <a:t>10/30/18</a:t>
+              <a:t>10/31/18</a:t>
             </a:fld>
             <a:endParaRPr lang="en-US"/>
           </a:p>
@@ -4495,7 +4488,7 @@
           <a:p>
             <a:fld id="{0CE3E54C-F47A-6240-AD9B-8C48DE60066F}" type="datetime1">
               <a:rPr lang="en-US" smtClean="0"/>
-              <a:t>10/30/18</a:t>
+              <a:t>10/31/18</a:t>
             </a:fld>
             <a:endParaRPr lang="en-US"/>
           </a:p>
@@ -4593,7 +4586,7 @@
           <a:p>
             <a:fld id="{1EB92FB0-6E13-7D46-ABE4-43B94210EC09}" type="datetime1">
               <a:rPr lang="en-US" smtClean="0"/>
-              <a:t>10/30/18</a:t>
+              <a:t>10/31/18</a:t>
             </a:fld>
             <a:endParaRPr lang="en-US"/>
           </a:p>
@@ -4873,7 +4866,7 @@
           <a:p>
             <a:fld id="{199850E4-2781-4D4F-948F-FD43DAF93AE8}" type="datetime1">
               <a:rPr lang="en-US" smtClean="0"/>
-              <a:t>10/30/18</a:t>
+              <a:t>10/31/18</a:t>
             </a:fld>
             <a:endParaRPr lang="en-US"/>
           </a:p>
@@ -5133,7 +5126,7 @@
           <a:p>
             <a:fld id="{8B02589F-74FE-274F-B5FA-89102E7B0E4F}" type="datetime1">
               <a:rPr lang="en-US" smtClean="0"/>
-              <a:t>10/30/18</a:t>
+              <a:t>10/31/18</a:t>
             </a:fld>
             <a:endParaRPr lang="en-US"/>
           </a:p>
@@ -5349,7 +5342,7 @@
           <a:p>
             <a:fld id="{AC128C92-E15F-684B-AA70-9FB0611DEED6}" type="datetime1">
               <a:rPr lang="en-US" smtClean="0"/>
-              <a:t>10/30/18</a:t>
+              <a:t>10/31/18</a:t>
             </a:fld>
             <a:endParaRPr lang="en-US"/>
           </a:p>
@@ -36160,6 +36153,44 @@
           </p:txBody>
         </p:sp>
       </p:grpSp>
+      <p:sp>
+        <p:nvSpPr>
+          <p:cNvPr id="3" name="TextBox 2">
+            <a:extLst>
+              <a:ext uri="{FF2B5EF4-FFF2-40B4-BE49-F238E27FC236}">
+                <a16:creationId xmlns:a16="http://schemas.microsoft.com/office/drawing/2014/main" id="{2238B636-6E59-3048-97B5-D33C733B0787}"/>
+              </a:ext>
+            </a:extLst>
+          </p:cNvPr>
+          <p:cNvSpPr txBox="1"/>
+          <p:nvPr/>
+        </p:nvSpPr>
+        <p:spPr>
+          <a:xfrm>
+            <a:off x="628650" y="6075145"/>
+            <a:ext cx="8068299" cy="646331"/>
+          </a:xfrm>
+          <a:prstGeom prst="rect">
+            <a:avLst/>
+          </a:prstGeom>
+          <a:noFill/>
+        </p:spPr>
+        <p:txBody>
+          <a:bodyPr wrap="none" rtlCol="0">
+            <a:spAutoFit/>
+          </a:bodyPr>
+          <a:lstStyle/>
+          <a:p>
+            <a:r>
+              <a:rPr lang="en-US" dirty="0"/>
+              <a:t>given a person, can determine what they bought and the store where they bought it</a:t>
+            </a:r>
+          </a:p>
+          <a:p>
+            <a:endParaRPr lang="en-US" dirty="0"/>
+          </a:p>
+        </p:txBody>
+      </p:sp>
     </p:spTree>
     <p:extLst>
       <p:ext uri="{BB962C8B-B14F-4D97-AF65-F5344CB8AC3E}">
@@ -36763,6 +36794,50 @@
           <a:effectLst/>
         </p:spPr>
       </p:cxnSp>
+      <p:sp>
+        <p:nvSpPr>
+          <p:cNvPr id="12" name="TextBox 11">
+            <a:extLst>
+              <a:ext uri="{FF2B5EF4-FFF2-40B4-BE49-F238E27FC236}">
+                <a16:creationId xmlns:a16="http://schemas.microsoft.com/office/drawing/2014/main" id="{9CBB2EA0-CEDA-0A45-B558-F6E753747A80}"/>
+              </a:ext>
+            </a:extLst>
+          </p:cNvPr>
+          <p:cNvSpPr txBox="1"/>
+          <p:nvPr/>
+        </p:nvSpPr>
+        <p:spPr>
+          <a:xfrm>
+            <a:off x="814274" y="5846543"/>
+            <a:ext cx="7498784" cy="646331"/>
+          </a:xfrm>
+          <a:prstGeom prst="rect">
+            <a:avLst/>
+          </a:prstGeom>
+          <a:noFill/>
+        </p:spPr>
+        <p:txBody>
+          <a:bodyPr wrap="none" rtlCol="0">
+            <a:spAutoFit/>
+          </a:bodyPr>
+          <a:lstStyle/>
+          <a:p>
+            <a:pPr>
+              <a:defRPr/>
+            </a:pPr>
+            <a:r>
+              <a:rPr lang="en-US" dirty="0"/>
+              <a:t>given a store, can determine who shopped there and the product they bought</a:t>
+            </a:r>
+          </a:p>
+          <a:p>
+            <a:r>
+              <a:rPr lang="en-US" dirty="0"/>
+              <a:t>each store sells one product and to one person, ever</a:t>
+            </a:r>
+          </a:p>
+        </p:txBody>
+      </p:sp>
     </p:spTree>
     <p:extLst>
       <p:ext uri="{BB962C8B-B14F-4D97-AF65-F5344CB8AC3E}">
@@ -40743,7 +40818,7 @@
         </p:nvGrpSpPr>
         <p:grpSpPr>
           <a:xfrm>
-            <a:off x="1257300" y="4457700"/>
+            <a:off x="1257300" y="4743449"/>
             <a:ext cx="6229350" cy="1028700"/>
             <a:chOff x="1676400" y="4800600"/>
             <a:chExt cx="8305800" cy="1371600"/>
@@ -41021,6 +41096,81 @@
           </p:txBody>
         </p:sp>
       </p:grpSp>
+      <p:sp>
+        <p:nvSpPr>
+          <p:cNvPr id="4" name="TextBox 3">
+            <a:extLst>
+              <a:ext uri="{FF2B5EF4-FFF2-40B4-BE49-F238E27FC236}">
+                <a16:creationId xmlns:a16="http://schemas.microsoft.com/office/drawing/2014/main" id="{2FEAFB7B-24C7-554D-A9F8-4351EE46695A}"/>
+              </a:ext>
+            </a:extLst>
+          </p:cNvPr>
+          <p:cNvSpPr txBox="1"/>
+          <p:nvPr/>
+        </p:nvSpPr>
+        <p:spPr>
+          <a:xfrm>
+            <a:off x="1119901" y="5800635"/>
+            <a:ext cx="6904198" cy="923330"/>
+          </a:xfrm>
+          <a:prstGeom prst="rect">
+            <a:avLst/>
+          </a:prstGeom>
+          <a:noFill/>
+        </p:spPr>
+        <p:txBody>
+          <a:bodyPr wrap="none" rtlCol="0">
+            <a:spAutoFit/>
+          </a:bodyPr>
+          <a:lstStyle/>
+          <a:p>
+            <a:endParaRPr lang="en-US" dirty="0"/>
+          </a:p>
+          <a:p>
+            <a:r>
+              <a:rPr lang="en-US" dirty="0"/>
+              <a:t>multiple presidents, also may want to require country to have president</a:t>
+            </a:r>
+          </a:p>
+          <a:p>
+            <a:endParaRPr lang="en-US" dirty="0"/>
+          </a:p>
+        </p:txBody>
+      </p:sp>
+      <p:sp>
+        <p:nvSpPr>
+          <p:cNvPr id="5" name="Rectangle 4">
+            <a:extLst>
+              <a:ext uri="{FF2B5EF4-FFF2-40B4-BE49-F238E27FC236}">
+                <a16:creationId xmlns:a16="http://schemas.microsoft.com/office/drawing/2014/main" id="{6177361D-D4E4-AF47-B3A2-D5D07826B529}"/>
+              </a:ext>
+            </a:extLst>
+          </p:cNvPr>
+          <p:cNvSpPr/>
+          <p:nvPr/>
+        </p:nvSpPr>
+        <p:spPr>
+          <a:xfrm>
+            <a:off x="2291922" y="3941593"/>
+            <a:ext cx="3988656" cy="369332"/>
+          </a:xfrm>
+          <a:prstGeom prst="rect">
+            <a:avLst/>
+          </a:prstGeom>
+        </p:spPr>
+        <p:txBody>
+          <a:bodyPr wrap="none">
+            <a:spAutoFit/>
+          </a:bodyPr>
+          <a:lstStyle/>
+          <a:p>
+            <a:r>
+              <a:rPr lang="en-US" dirty="0"/>
+              <a:t>product buys only one product, then out</a:t>
+            </a:r>
+          </a:p>
+        </p:txBody>
+      </p:sp>
     </p:spTree>
     <p:extLst>
       <p:ext uri="{BB962C8B-B14F-4D97-AF65-F5344CB8AC3E}">
@@ -41875,6 +42025,41 @@
           </a:p>
         </p:txBody>
       </p:sp>
+      <p:sp>
+        <p:nvSpPr>
+          <p:cNvPr id="2" name="TextBox 1">
+            <a:extLst>
+              <a:ext uri="{FF2B5EF4-FFF2-40B4-BE49-F238E27FC236}">
+                <a16:creationId xmlns:a16="http://schemas.microsoft.com/office/drawing/2014/main" id="{6528AED9-462C-594C-B03F-D2355EFB3982}"/>
+              </a:ext>
+            </a:extLst>
+          </p:cNvPr>
+          <p:cNvSpPr txBox="1"/>
+          <p:nvPr/>
+        </p:nvSpPr>
+        <p:spPr>
+          <a:xfrm>
+            <a:off x="3090104" y="6308208"/>
+            <a:ext cx="3320140" cy="369332"/>
+          </a:xfrm>
+          <a:prstGeom prst="rect">
+            <a:avLst/>
+          </a:prstGeom>
+          <a:noFill/>
+        </p:spPr>
+        <p:txBody>
+          <a:bodyPr wrap="none" rtlCol="0">
+            <a:spAutoFit/>
+          </a:bodyPr>
+          <a:lstStyle/>
+          <a:p>
+            <a:r>
+              <a:rPr lang="en-US" dirty="0"/>
+              <a:t>maybe people should be entities!</a:t>
+            </a:r>
+          </a:p>
+        </p:txBody>
+      </p:sp>
     </p:spTree>
     <p:extLst>
       <p:ext uri="{BB962C8B-B14F-4D97-AF65-F5344CB8AC3E}">
@@ -42707,6 +42892,44 @@
               <a:rPr lang="en-US" b="1" dirty="0"/>
               <a:t>What’s Wrong?</a:t>
             </a:r>
+          </a:p>
+        </p:txBody>
+      </p:sp>
+      <p:sp>
+        <p:nvSpPr>
+          <p:cNvPr id="2" name="TextBox 1">
+            <a:extLst>
+              <a:ext uri="{FF2B5EF4-FFF2-40B4-BE49-F238E27FC236}">
+                <a16:creationId xmlns:a16="http://schemas.microsoft.com/office/drawing/2014/main" id="{D1454BE6-555B-BC4B-8436-4DD9425FEDFB}"/>
+              </a:ext>
+            </a:extLst>
+          </p:cNvPr>
+          <p:cNvSpPr txBox="1"/>
+          <p:nvPr/>
+        </p:nvSpPr>
+        <p:spPr>
+          <a:xfrm>
+            <a:off x="1892072" y="6215747"/>
+            <a:ext cx="4593373" cy="646331"/>
+          </a:xfrm>
+          <a:prstGeom prst="rect">
+            <a:avLst/>
+          </a:prstGeom>
+          <a:noFill/>
+        </p:spPr>
+        <p:txBody>
+          <a:bodyPr wrap="none" rtlCol="0">
+            <a:spAutoFit/>
+          </a:bodyPr>
+          <a:lstStyle/>
+          <a:p>
+            <a:r>
+              <a:rPr lang="en-US" dirty="0"/>
+              <a:t>dates don’t need to be an entity by themselves</a:t>
+            </a:r>
+          </a:p>
+          <a:p>
+            <a:endParaRPr lang="en-US" dirty="0"/>
           </a:p>
         </p:txBody>
       </p:sp>
@@ -45565,6 +45788,2294 @@
       </p:grpSpPr>
       <p:sp>
         <p:nvSpPr>
+          <p:cNvPr id="4" name="Slide Number Placeholder 3">
+            <a:extLst>
+              <a:ext uri="{FF2B5EF4-FFF2-40B4-BE49-F238E27FC236}">
+                <a16:creationId xmlns:a16="http://schemas.microsoft.com/office/drawing/2014/main" id="{5464785B-4F7E-CB43-B909-F4EA1F7CC531}"/>
+              </a:ext>
+            </a:extLst>
+          </p:cNvPr>
+          <p:cNvSpPr>
+            <a:spLocks noGrp="1"/>
+          </p:cNvSpPr>
+          <p:nvPr>
+            <p:ph type="sldNum" sz="quarter" idx="12"/>
+          </p:nvPr>
+        </p:nvSpPr>
+        <p:spPr/>
+        <p:txBody>
+          <a:bodyPr/>
+          <a:lstStyle/>
+          <a:p>
+            <a:fld id="{24AF9547-1ADA-7741-9454-C97103F281DA}" type="slidenum">
+              <a:rPr lang="en-US" smtClean="0"/>
+              <a:t>46</a:t>
+            </a:fld>
+            <a:endParaRPr lang="en-US"/>
+          </a:p>
+        </p:txBody>
+      </p:sp>
+      <p:grpSp>
+        <p:nvGrpSpPr>
+          <p:cNvPr id="5" name="Group 4">
+            <a:extLst>
+              <a:ext uri="{FF2B5EF4-FFF2-40B4-BE49-F238E27FC236}">
+                <a16:creationId xmlns:a16="http://schemas.microsoft.com/office/drawing/2014/main" id="{E6E2A2AE-D98F-5A4B-A3C0-C0A2A8422C10}"/>
+              </a:ext>
+            </a:extLst>
+          </p:cNvPr>
+          <p:cNvGrpSpPr/>
+          <p:nvPr/>
+        </p:nvGrpSpPr>
+        <p:grpSpPr>
+          <a:xfrm>
+            <a:off x="477479" y="920115"/>
+            <a:ext cx="7777524" cy="4918080"/>
+            <a:chOff x="-796050" y="0"/>
+            <a:chExt cx="7777875" cy="4918504"/>
+          </a:xfrm>
+        </p:grpSpPr>
+        <p:sp>
+          <p:nvSpPr>
+            <p:cNvPr id="6" name="Oval 5">
+              <a:extLst>
+                <a:ext uri="{FF2B5EF4-FFF2-40B4-BE49-F238E27FC236}">
+                  <a16:creationId xmlns:a16="http://schemas.microsoft.com/office/drawing/2014/main" id="{89BDA7CA-998A-AD4B-AB60-5E21C928EFCE}"/>
+                </a:ext>
+              </a:extLst>
+            </p:cNvPr>
+            <p:cNvSpPr/>
+            <p:nvPr/>
+          </p:nvSpPr>
+          <p:spPr>
+            <a:xfrm>
+              <a:off x="457200" y="0"/>
+              <a:ext cx="1209675" cy="441291"/>
+            </a:xfrm>
+            <a:prstGeom prst="ellipse">
+              <a:avLst/>
+            </a:prstGeom>
+            <a:solidFill>
+              <a:srgbClr val="29FD2E"/>
+            </a:solidFill>
+            <a:ln w="12700">
+              <a:solidFill>
+                <a:schemeClr val="tx1"/>
+              </a:solidFill>
+            </a:ln>
+          </p:spPr>
+          <p:style>
+            <a:lnRef idx="2">
+              <a:schemeClr val="accent1">
+                <a:shade val="50000"/>
+              </a:schemeClr>
+            </a:lnRef>
+            <a:fillRef idx="1">
+              <a:schemeClr val="accent1"/>
+            </a:fillRef>
+            <a:effectRef idx="0">
+              <a:schemeClr val="accent1"/>
+            </a:effectRef>
+            <a:fontRef idx="minor">
+              <a:schemeClr val="lt1"/>
+            </a:fontRef>
+          </p:style>
+          <p:txBody>
+            <a:bodyPr rot="0" spcFirstLastPara="0" vert="horz" wrap="square" lIns="91440" tIns="45720" rIns="91440" bIns="45720" numCol="1" spcCol="0" rtlCol="0" fromWordArt="0" anchor="ctr" anchorCtr="0" forceAA="0" compatLnSpc="1">
+              <a:prstTxWarp prst="textNoShape">
+                <a:avLst/>
+              </a:prstTxWarp>
+              <a:noAutofit/>
+            </a:bodyPr>
+            <a:lstStyle/>
+            <a:p>
+              <a:pPr algn="ctr">
+                <a:lnSpc>
+                  <a:spcPct val="115000"/>
+                </a:lnSpc>
+                <a:spcAft>
+                  <a:spcPts val="1000"/>
+                </a:spcAft>
+              </a:pPr>
+              <a:r>
+                <a:rPr lang="en-US" sz="1400" u="sng">
+                  <a:solidFill>
+                    <a:srgbClr val="000000"/>
+                  </a:solidFill>
+                  <a:effectLst/>
+                  <a:ea typeface="PMingLiU" panose="02020500000000000000" pitchFamily="18" charset="-120"/>
+                  <a:cs typeface="Times New Roman" panose="02020603050405020304" pitchFamily="18" charset="0"/>
+                </a:rPr>
+                <a:t>name</a:t>
+              </a:r>
+              <a:endParaRPr lang="en-CA" sz="1100">
+                <a:effectLst/>
+                <a:ea typeface="PMingLiU" panose="02020500000000000000" pitchFamily="18" charset="-120"/>
+                <a:cs typeface="Times New Roman" panose="02020603050405020304" pitchFamily="18" charset="0"/>
+              </a:endParaRPr>
+            </a:p>
+          </p:txBody>
+        </p:sp>
+        <p:sp>
+          <p:nvSpPr>
+            <p:cNvPr id="7" name="Oval 6">
+              <a:extLst>
+                <a:ext uri="{FF2B5EF4-FFF2-40B4-BE49-F238E27FC236}">
+                  <a16:creationId xmlns:a16="http://schemas.microsoft.com/office/drawing/2014/main" id="{8DCF6D76-7216-624F-B6CA-434A3BD03ED5}"/>
+                </a:ext>
+              </a:extLst>
+            </p:cNvPr>
+            <p:cNvSpPr/>
+            <p:nvPr/>
+          </p:nvSpPr>
+          <p:spPr>
+            <a:xfrm>
+              <a:off x="1752600" y="0"/>
+              <a:ext cx="1371600" cy="441291"/>
+            </a:xfrm>
+            <a:prstGeom prst="ellipse">
+              <a:avLst/>
+            </a:prstGeom>
+            <a:solidFill>
+              <a:srgbClr val="29FD2E"/>
+            </a:solidFill>
+            <a:ln w="12700">
+              <a:solidFill>
+                <a:schemeClr val="tx1"/>
+              </a:solidFill>
+            </a:ln>
+          </p:spPr>
+          <p:style>
+            <a:lnRef idx="2">
+              <a:schemeClr val="accent1">
+                <a:shade val="50000"/>
+              </a:schemeClr>
+            </a:lnRef>
+            <a:fillRef idx="1">
+              <a:schemeClr val="accent1"/>
+            </a:fillRef>
+            <a:effectRef idx="0">
+              <a:schemeClr val="accent1"/>
+            </a:effectRef>
+            <a:fontRef idx="minor">
+              <a:schemeClr val="lt1"/>
+            </a:fontRef>
+          </p:style>
+          <p:txBody>
+            <a:bodyPr rot="0" spcFirstLastPara="0" vert="horz" wrap="square" lIns="91440" tIns="45720" rIns="91440" bIns="45720" numCol="1" spcCol="0" rtlCol="0" fromWordArt="0" anchor="ctr" anchorCtr="0" forceAA="0" compatLnSpc="1">
+              <a:prstTxWarp prst="textNoShape">
+                <a:avLst/>
+              </a:prstTxWarp>
+              <a:noAutofit/>
+            </a:bodyPr>
+            <a:lstStyle/>
+            <a:p>
+              <a:pPr algn="ctr">
+                <a:lnSpc>
+                  <a:spcPct val="115000"/>
+                </a:lnSpc>
+                <a:spcAft>
+                  <a:spcPts val="1000"/>
+                </a:spcAft>
+              </a:pPr>
+              <a:r>
+                <a:rPr lang="en-US" sz="1350">
+                  <a:solidFill>
+                    <a:srgbClr val="000000"/>
+                  </a:solidFill>
+                  <a:effectLst/>
+                  <a:ea typeface="PMingLiU" panose="02020500000000000000" pitchFamily="18" charset="-120"/>
+                  <a:cs typeface="Times New Roman" panose="02020603050405020304" pitchFamily="18" charset="0"/>
+                </a:rPr>
+                <a:t>population</a:t>
+              </a:r>
+              <a:endParaRPr lang="en-CA" sz="1100">
+                <a:effectLst/>
+                <a:ea typeface="PMingLiU" panose="02020500000000000000" pitchFamily="18" charset="-120"/>
+                <a:cs typeface="Times New Roman" panose="02020603050405020304" pitchFamily="18" charset="0"/>
+              </a:endParaRPr>
+            </a:p>
+          </p:txBody>
+        </p:sp>
+        <p:sp>
+          <p:nvSpPr>
+            <p:cNvPr id="8" name="Oval 7">
+              <a:extLst>
+                <a:ext uri="{FF2B5EF4-FFF2-40B4-BE49-F238E27FC236}">
+                  <a16:creationId xmlns:a16="http://schemas.microsoft.com/office/drawing/2014/main" id="{945B02E5-B4E6-5542-8CD3-4EB514E3974D}"/>
+                </a:ext>
+              </a:extLst>
+            </p:cNvPr>
+            <p:cNvSpPr/>
+            <p:nvPr/>
+          </p:nvSpPr>
+          <p:spPr>
+            <a:xfrm>
+              <a:off x="3267075" y="0"/>
+              <a:ext cx="1362075" cy="441291"/>
+            </a:xfrm>
+            <a:prstGeom prst="ellipse">
+              <a:avLst/>
+            </a:prstGeom>
+            <a:solidFill>
+              <a:srgbClr val="29FD2E"/>
+            </a:solidFill>
+            <a:ln w="12700">
+              <a:solidFill>
+                <a:schemeClr val="tx1"/>
+              </a:solidFill>
+            </a:ln>
+          </p:spPr>
+          <p:style>
+            <a:lnRef idx="2">
+              <a:schemeClr val="accent1">
+                <a:shade val="50000"/>
+              </a:schemeClr>
+            </a:lnRef>
+            <a:fillRef idx="1">
+              <a:schemeClr val="accent1"/>
+            </a:fillRef>
+            <a:effectRef idx="0">
+              <a:schemeClr val="accent1"/>
+            </a:effectRef>
+            <a:fontRef idx="minor">
+              <a:schemeClr val="lt1"/>
+            </a:fontRef>
+          </p:style>
+          <p:txBody>
+            <a:bodyPr rot="0" spcFirstLastPara="0" vert="horz" wrap="square" lIns="91440" tIns="45720" rIns="91440" bIns="45720" numCol="1" spcCol="0" rtlCol="0" fromWordArt="0" anchor="ctr" anchorCtr="0" forceAA="0" compatLnSpc="1">
+              <a:prstTxWarp prst="textNoShape">
+                <a:avLst/>
+              </a:prstTxWarp>
+              <a:noAutofit/>
+            </a:bodyPr>
+            <a:lstStyle/>
+            <a:p>
+              <a:pPr algn="ctr">
+                <a:lnSpc>
+                  <a:spcPct val="115000"/>
+                </a:lnSpc>
+                <a:spcAft>
+                  <a:spcPts val="1000"/>
+                </a:spcAft>
+              </a:pPr>
+              <a:r>
+                <a:rPr lang="en-US" sz="1350">
+                  <a:solidFill>
+                    <a:srgbClr val="000000"/>
+                  </a:solidFill>
+                  <a:effectLst/>
+                  <a:ea typeface="PMingLiU" panose="02020500000000000000" pitchFamily="18" charset="-120"/>
+                  <a:cs typeface="Times New Roman" panose="02020603050405020304" pitchFamily="18" charset="0"/>
+                </a:rPr>
+                <a:t>longitude</a:t>
+              </a:r>
+              <a:endParaRPr lang="en-CA" sz="1100">
+                <a:effectLst/>
+                <a:ea typeface="PMingLiU" panose="02020500000000000000" pitchFamily="18" charset="-120"/>
+                <a:cs typeface="Times New Roman" panose="02020603050405020304" pitchFamily="18" charset="0"/>
+              </a:endParaRPr>
+            </a:p>
+          </p:txBody>
+        </p:sp>
+        <p:sp>
+          <p:nvSpPr>
+            <p:cNvPr id="9" name="Oval 8">
+              <a:extLst>
+                <a:ext uri="{FF2B5EF4-FFF2-40B4-BE49-F238E27FC236}">
+                  <a16:creationId xmlns:a16="http://schemas.microsoft.com/office/drawing/2014/main" id="{C7009D23-57AB-794F-AAAC-45F3B989673B}"/>
+                </a:ext>
+              </a:extLst>
+            </p:cNvPr>
+            <p:cNvSpPr/>
+            <p:nvPr/>
+          </p:nvSpPr>
+          <p:spPr>
+            <a:xfrm>
+              <a:off x="4762500" y="0"/>
+              <a:ext cx="1352550" cy="441291"/>
+            </a:xfrm>
+            <a:prstGeom prst="ellipse">
+              <a:avLst/>
+            </a:prstGeom>
+            <a:solidFill>
+              <a:srgbClr val="29FD2E"/>
+            </a:solidFill>
+            <a:ln w="12700">
+              <a:solidFill>
+                <a:schemeClr val="tx1"/>
+              </a:solidFill>
+            </a:ln>
+          </p:spPr>
+          <p:style>
+            <a:lnRef idx="2">
+              <a:schemeClr val="accent1">
+                <a:shade val="50000"/>
+              </a:schemeClr>
+            </a:lnRef>
+            <a:fillRef idx="1">
+              <a:schemeClr val="accent1"/>
+            </a:fillRef>
+            <a:effectRef idx="0">
+              <a:schemeClr val="accent1"/>
+            </a:effectRef>
+            <a:fontRef idx="minor">
+              <a:schemeClr val="lt1"/>
+            </a:fontRef>
+          </p:style>
+          <p:txBody>
+            <a:bodyPr rot="0" spcFirstLastPara="0" vert="horz" wrap="square" lIns="91440" tIns="45720" rIns="91440" bIns="45720" numCol="1" spcCol="0" rtlCol="0" fromWordArt="0" anchor="ctr" anchorCtr="0" forceAA="0" compatLnSpc="1">
+              <a:prstTxWarp prst="textNoShape">
+                <a:avLst/>
+              </a:prstTxWarp>
+              <a:noAutofit/>
+            </a:bodyPr>
+            <a:lstStyle/>
+            <a:p>
+              <a:pPr algn="ctr">
+                <a:lnSpc>
+                  <a:spcPct val="115000"/>
+                </a:lnSpc>
+                <a:spcAft>
+                  <a:spcPts val="1000"/>
+                </a:spcAft>
+              </a:pPr>
+              <a:r>
+                <a:rPr lang="en-US" sz="1350">
+                  <a:solidFill>
+                    <a:srgbClr val="000000"/>
+                  </a:solidFill>
+                  <a:effectLst/>
+                  <a:ea typeface="PMingLiU" panose="02020500000000000000" pitchFamily="18" charset="-120"/>
+                  <a:cs typeface="Times New Roman" panose="02020603050405020304" pitchFamily="18" charset="0"/>
+                </a:rPr>
+                <a:t>latitude</a:t>
+              </a:r>
+              <a:endParaRPr lang="en-CA" sz="1100">
+                <a:effectLst/>
+                <a:ea typeface="PMingLiU" panose="02020500000000000000" pitchFamily="18" charset="-120"/>
+                <a:cs typeface="Times New Roman" panose="02020603050405020304" pitchFamily="18" charset="0"/>
+              </a:endParaRPr>
+            </a:p>
+          </p:txBody>
+        </p:sp>
+        <p:sp>
+          <p:nvSpPr>
+            <p:cNvPr id="10" name="Rectangle 9">
+              <a:extLst>
+                <a:ext uri="{FF2B5EF4-FFF2-40B4-BE49-F238E27FC236}">
+                  <a16:creationId xmlns:a16="http://schemas.microsoft.com/office/drawing/2014/main" id="{F1928998-DCC8-934F-A4D5-C82F20426283}"/>
+                </a:ext>
+              </a:extLst>
+            </p:cNvPr>
+            <p:cNvSpPr/>
+            <p:nvPr/>
+          </p:nvSpPr>
+          <p:spPr>
+            <a:xfrm>
+              <a:off x="1933575" y="704850"/>
+              <a:ext cx="2476500" cy="312581"/>
+            </a:xfrm>
+            <a:prstGeom prst="rect">
+              <a:avLst/>
+            </a:prstGeom>
+            <a:solidFill>
+              <a:srgbClr val="FAE5D7"/>
+            </a:solidFill>
+            <a:ln w="12700">
+              <a:solidFill>
+                <a:schemeClr val="tx1"/>
+              </a:solidFill>
+            </a:ln>
+          </p:spPr>
+          <p:style>
+            <a:lnRef idx="2">
+              <a:schemeClr val="accent1">
+                <a:shade val="50000"/>
+              </a:schemeClr>
+            </a:lnRef>
+            <a:fillRef idx="1">
+              <a:schemeClr val="accent1"/>
+            </a:fillRef>
+            <a:effectRef idx="0">
+              <a:schemeClr val="accent1"/>
+            </a:effectRef>
+            <a:fontRef idx="minor">
+              <a:schemeClr val="lt1"/>
+            </a:fontRef>
+          </p:style>
+          <p:txBody>
+            <a:bodyPr rot="0" spcFirstLastPara="0" vert="horz" wrap="square" lIns="91440" tIns="45720" rIns="91440" bIns="45720" numCol="1" spcCol="0" rtlCol="0" fromWordArt="0" anchor="ctr" anchorCtr="0" forceAA="0" compatLnSpc="1">
+              <a:prstTxWarp prst="textNoShape">
+                <a:avLst/>
+              </a:prstTxWarp>
+              <a:noAutofit/>
+            </a:bodyPr>
+            <a:lstStyle/>
+            <a:p>
+              <a:pPr algn="ctr">
+                <a:lnSpc>
+                  <a:spcPct val="115000"/>
+                </a:lnSpc>
+                <a:spcAft>
+                  <a:spcPts val="1000"/>
+                </a:spcAft>
+              </a:pPr>
+              <a:r>
+                <a:rPr lang="en-US" sz="1350">
+                  <a:solidFill>
+                    <a:srgbClr val="000000"/>
+                  </a:solidFill>
+                  <a:effectLst/>
+                  <a:ea typeface="PMingLiU" panose="02020500000000000000" pitchFamily="18" charset="-120"/>
+                  <a:cs typeface="Times New Roman" panose="02020603050405020304" pitchFamily="18" charset="0"/>
+                </a:rPr>
+                <a:t>City</a:t>
+              </a:r>
+              <a:endParaRPr lang="en-CA" sz="1100">
+                <a:effectLst/>
+                <a:ea typeface="PMingLiU" panose="02020500000000000000" pitchFamily="18" charset="-120"/>
+                <a:cs typeface="Times New Roman" panose="02020603050405020304" pitchFamily="18" charset="0"/>
+              </a:endParaRPr>
+            </a:p>
+          </p:txBody>
+        </p:sp>
+        <p:cxnSp>
+          <p:nvCxnSpPr>
+            <p:cNvPr id="11" name="Straight Connector 10">
+              <a:extLst>
+                <a:ext uri="{FF2B5EF4-FFF2-40B4-BE49-F238E27FC236}">
+                  <a16:creationId xmlns:a16="http://schemas.microsoft.com/office/drawing/2014/main" id="{B434C70A-4F63-8744-A55C-7413A30FA4AC}"/>
+                </a:ext>
+              </a:extLst>
+            </p:cNvPr>
+            <p:cNvCxnSpPr/>
+            <p:nvPr/>
+          </p:nvCxnSpPr>
+          <p:spPr>
+            <a:xfrm>
+              <a:off x="1247775" y="438150"/>
+              <a:ext cx="1181100" cy="266614"/>
+            </a:xfrm>
+            <a:prstGeom prst="line">
+              <a:avLst/>
+            </a:prstGeom>
+          </p:spPr>
+          <p:style>
+            <a:lnRef idx="1">
+              <a:schemeClr val="dk1"/>
+            </a:lnRef>
+            <a:fillRef idx="0">
+              <a:schemeClr val="dk1"/>
+            </a:fillRef>
+            <a:effectRef idx="0">
+              <a:schemeClr val="dk1"/>
+            </a:effectRef>
+            <a:fontRef idx="minor">
+              <a:schemeClr val="tx1"/>
+            </a:fontRef>
+          </p:style>
+        </p:cxnSp>
+        <p:cxnSp>
+          <p:nvCxnSpPr>
+            <p:cNvPr id="12" name="Straight Connector 11">
+              <a:extLst>
+                <a:ext uri="{FF2B5EF4-FFF2-40B4-BE49-F238E27FC236}">
+                  <a16:creationId xmlns:a16="http://schemas.microsoft.com/office/drawing/2014/main" id="{AACC5D30-8D74-384C-BC17-A628406EC975}"/>
+                </a:ext>
+              </a:extLst>
+            </p:cNvPr>
+            <p:cNvCxnSpPr/>
+            <p:nvPr/>
+          </p:nvCxnSpPr>
+          <p:spPr>
+            <a:xfrm>
+              <a:off x="2533650" y="438150"/>
+              <a:ext cx="285750" cy="266614"/>
+            </a:xfrm>
+            <a:prstGeom prst="line">
+              <a:avLst/>
+            </a:prstGeom>
+          </p:spPr>
+          <p:style>
+            <a:lnRef idx="1">
+              <a:schemeClr val="dk1"/>
+            </a:lnRef>
+            <a:fillRef idx="0">
+              <a:schemeClr val="dk1"/>
+            </a:fillRef>
+            <a:effectRef idx="0">
+              <a:schemeClr val="dk1"/>
+            </a:effectRef>
+            <a:fontRef idx="minor">
+              <a:schemeClr val="tx1"/>
+            </a:fontRef>
+          </p:style>
+        </p:cxnSp>
+        <p:cxnSp>
+          <p:nvCxnSpPr>
+            <p:cNvPr id="13" name="Straight Connector 12">
+              <a:extLst>
+                <a:ext uri="{FF2B5EF4-FFF2-40B4-BE49-F238E27FC236}">
+                  <a16:creationId xmlns:a16="http://schemas.microsoft.com/office/drawing/2014/main" id="{EB15432C-8F6D-124D-B281-E5E04B80CA8D}"/>
+                </a:ext>
+              </a:extLst>
+            </p:cNvPr>
+            <p:cNvCxnSpPr/>
+            <p:nvPr/>
+          </p:nvCxnSpPr>
+          <p:spPr>
+            <a:xfrm flipH="1">
+              <a:off x="3267075" y="438150"/>
+              <a:ext cx="647700" cy="266614"/>
+            </a:xfrm>
+            <a:prstGeom prst="line">
+              <a:avLst/>
+            </a:prstGeom>
+          </p:spPr>
+          <p:style>
+            <a:lnRef idx="1">
+              <a:schemeClr val="dk1"/>
+            </a:lnRef>
+            <a:fillRef idx="0">
+              <a:schemeClr val="dk1"/>
+            </a:fillRef>
+            <a:effectRef idx="0">
+              <a:schemeClr val="dk1"/>
+            </a:effectRef>
+            <a:fontRef idx="minor">
+              <a:schemeClr val="tx1"/>
+            </a:fontRef>
+          </p:style>
+        </p:cxnSp>
+        <p:cxnSp>
+          <p:nvCxnSpPr>
+            <p:cNvPr id="14" name="Straight Connector 13">
+              <a:extLst>
+                <a:ext uri="{FF2B5EF4-FFF2-40B4-BE49-F238E27FC236}">
+                  <a16:creationId xmlns:a16="http://schemas.microsoft.com/office/drawing/2014/main" id="{5E7F1217-DCDE-C947-9199-F12E8CA2DE44}"/>
+                </a:ext>
+              </a:extLst>
+            </p:cNvPr>
+            <p:cNvCxnSpPr/>
+            <p:nvPr/>
+          </p:nvCxnSpPr>
+          <p:spPr>
+            <a:xfrm flipH="1">
+              <a:off x="3657600" y="438150"/>
+              <a:ext cx="1724025" cy="266614"/>
+            </a:xfrm>
+            <a:prstGeom prst="line">
+              <a:avLst/>
+            </a:prstGeom>
+          </p:spPr>
+          <p:style>
+            <a:lnRef idx="1">
+              <a:schemeClr val="dk1"/>
+            </a:lnRef>
+            <a:fillRef idx="0">
+              <a:schemeClr val="dk1"/>
+            </a:fillRef>
+            <a:effectRef idx="0">
+              <a:schemeClr val="dk1"/>
+            </a:effectRef>
+            <a:fontRef idx="minor">
+              <a:schemeClr val="tx1"/>
+            </a:fontRef>
+          </p:style>
+        </p:cxnSp>
+        <p:sp>
+          <p:nvSpPr>
+            <p:cNvPr id="15" name="Diamond 14">
+              <a:extLst>
+                <a:ext uri="{FF2B5EF4-FFF2-40B4-BE49-F238E27FC236}">
+                  <a16:creationId xmlns:a16="http://schemas.microsoft.com/office/drawing/2014/main" id="{A2FC2346-6A55-4448-8E15-DE3E01592A85}"/>
+                </a:ext>
+              </a:extLst>
+            </p:cNvPr>
+            <p:cNvSpPr/>
+            <p:nvPr/>
+          </p:nvSpPr>
+          <p:spPr>
+            <a:xfrm>
+              <a:off x="2095500" y="1257300"/>
+              <a:ext cx="2133600" cy="615969"/>
+            </a:xfrm>
+            <a:prstGeom prst="diamond">
+              <a:avLst/>
+            </a:prstGeom>
+            <a:solidFill>
+              <a:srgbClr val="4674C1"/>
+            </a:solidFill>
+            <a:ln w="12700">
+              <a:solidFill>
+                <a:schemeClr val="tx1"/>
+              </a:solidFill>
+            </a:ln>
+          </p:spPr>
+          <p:style>
+            <a:lnRef idx="2">
+              <a:schemeClr val="accent1">
+                <a:shade val="50000"/>
+              </a:schemeClr>
+            </a:lnRef>
+            <a:fillRef idx="1">
+              <a:schemeClr val="accent1"/>
+            </a:fillRef>
+            <a:effectRef idx="0">
+              <a:schemeClr val="accent1"/>
+            </a:effectRef>
+            <a:fontRef idx="minor">
+              <a:schemeClr val="lt1"/>
+            </a:fontRef>
+          </p:style>
+          <p:txBody>
+            <a:bodyPr rot="0" spcFirstLastPara="0" vert="horz" wrap="square" lIns="91440" tIns="45720" rIns="91440" bIns="45720" numCol="1" spcCol="0" rtlCol="0" fromWordArt="0" anchor="ctr" anchorCtr="0" forceAA="0" compatLnSpc="1">
+              <a:prstTxWarp prst="textNoShape">
+                <a:avLst/>
+              </a:prstTxWarp>
+              <a:noAutofit/>
+            </a:bodyPr>
+            <a:lstStyle/>
+            <a:p>
+              <a:pPr algn="ctr">
+                <a:lnSpc>
+                  <a:spcPct val="115000"/>
+                </a:lnSpc>
+                <a:spcAft>
+                  <a:spcPts val="1000"/>
+                </a:spcAft>
+              </a:pPr>
+              <a:r>
+                <a:rPr lang="en-US" sz="1350">
+                  <a:solidFill>
+                    <a:srgbClr val="FFFFFF"/>
+                  </a:solidFill>
+                  <a:effectLst/>
+                  <a:ea typeface="PMingLiU" panose="02020500000000000000" pitchFamily="18" charset="-120"/>
+                  <a:cs typeface="Times New Roman" panose="02020603050405020304" pitchFamily="18" charset="0"/>
+                </a:rPr>
+                <a:t>belongs to</a:t>
+              </a:r>
+              <a:endParaRPr lang="en-CA" sz="1100">
+                <a:effectLst/>
+                <a:ea typeface="PMingLiU" panose="02020500000000000000" pitchFamily="18" charset="-120"/>
+                <a:cs typeface="Times New Roman" panose="02020603050405020304" pitchFamily="18" charset="0"/>
+              </a:endParaRPr>
+            </a:p>
+          </p:txBody>
+        </p:sp>
+        <p:cxnSp>
+          <p:nvCxnSpPr>
+            <p:cNvPr id="16" name="Straight Connector 15">
+              <a:extLst>
+                <a:ext uri="{FF2B5EF4-FFF2-40B4-BE49-F238E27FC236}">
+                  <a16:creationId xmlns:a16="http://schemas.microsoft.com/office/drawing/2014/main" id="{E8ED870F-409E-F340-8BCF-5020584936CE}"/>
+                </a:ext>
+              </a:extLst>
+            </p:cNvPr>
+            <p:cNvCxnSpPr/>
+            <p:nvPr/>
+          </p:nvCxnSpPr>
+          <p:spPr>
+            <a:xfrm flipV="1">
+              <a:off x="3171825" y="1019175"/>
+              <a:ext cx="0" cy="239033"/>
+            </a:xfrm>
+            <a:prstGeom prst="line">
+              <a:avLst/>
+            </a:prstGeom>
+            <a:ln>
+              <a:headEnd type="triangle"/>
+            </a:ln>
+          </p:spPr>
+          <p:style>
+            <a:lnRef idx="1">
+              <a:schemeClr val="dk1"/>
+            </a:lnRef>
+            <a:fillRef idx="0">
+              <a:schemeClr val="dk1"/>
+            </a:fillRef>
+            <a:effectRef idx="0">
+              <a:schemeClr val="dk1"/>
+            </a:effectRef>
+            <a:fontRef idx="minor">
+              <a:schemeClr val="tx1"/>
+            </a:fontRef>
+          </p:style>
+        </p:cxnSp>
+        <p:cxnSp>
+          <p:nvCxnSpPr>
+            <p:cNvPr id="17" name="Straight Arrow Connector 16">
+              <a:extLst>
+                <a:ext uri="{FF2B5EF4-FFF2-40B4-BE49-F238E27FC236}">
+                  <a16:creationId xmlns:a16="http://schemas.microsoft.com/office/drawing/2014/main" id="{054295C1-3FA0-624C-A56B-018A3CBF2CE9}"/>
+                </a:ext>
+              </a:extLst>
+            </p:cNvPr>
+            <p:cNvCxnSpPr/>
+            <p:nvPr/>
+          </p:nvCxnSpPr>
+          <p:spPr>
+            <a:xfrm>
+              <a:off x="3171825" y="1876425"/>
+              <a:ext cx="0" cy="266614"/>
+            </a:xfrm>
+            <a:prstGeom prst="straightConnector1">
+              <a:avLst/>
+            </a:prstGeom>
+            <a:ln>
+              <a:tailEnd type="none"/>
+            </a:ln>
+          </p:spPr>
+          <p:style>
+            <a:lnRef idx="1">
+              <a:schemeClr val="dk1"/>
+            </a:lnRef>
+            <a:fillRef idx="0">
+              <a:schemeClr val="dk1"/>
+            </a:fillRef>
+            <a:effectRef idx="0">
+              <a:schemeClr val="dk1"/>
+            </a:effectRef>
+            <a:fontRef idx="minor">
+              <a:schemeClr val="tx1"/>
+            </a:fontRef>
+          </p:style>
+        </p:cxnSp>
+        <p:sp>
+          <p:nvSpPr>
+            <p:cNvPr id="18" name="Rectangle 17">
+              <a:extLst>
+                <a:ext uri="{FF2B5EF4-FFF2-40B4-BE49-F238E27FC236}">
+                  <a16:creationId xmlns:a16="http://schemas.microsoft.com/office/drawing/2014/main" id="{486D80C6-448D-7345-ADA4-59A43FC8B4AD}"/>
+                </a:ext>
+              </a:extLst>
+            </p:cNvPr>
+            <p:cNvSpPr/>
+            <p:nvPr/>
+          </p:nvSpPr>
+          <p:spPr>
+            <a:xfrm>
+              <a:off x="1943100" y="2143125"/>
+              <a:ext cx="2476500" cy="312581"/>
+            </a:xfrm>
+            <a:prstGeom prst="rect">
+              <a:avLst/>
+            </a:prstGeom>
+            <a:solidFill>
+              <a:srgbClr val="FAE5D7"/>
+            </a:solidFill>
+            <a:ln w="12700">
+              <a:solidFill>
+                <a:schemeClr val="tx1"/>
+              </a:solidFill>
+            </a:ln>
+          </p:spPr>
+          <p:style>
+            <a:lnRef idx="2">
+              <a:schemeClr val="accent1">
+                <a:shade val="50000"/>
+              </a:schemeClr>
+            </a:lnRef>
+            <a:fillRef idx="1">
+              <a:schemeClr val="accent1"/>
+            </a:fillRef>
+            <a:effectRef idx="0">
+              <a:schemeClr val="accent1"/>
+            </a:effectRef>
+            <a:fontRef idx="minor">
+              <a:schemeClr val="lt1"/>
+            </a:fontRef>
+          </p:style>
+          <p:txBody>
+            <a:bodyPr rot="0" spcFirstLastPara="0" vert="horz" wrap="square" lIns="91440" tIns="45720" rIns="91440" bIns="45720" numCol="1" spcCol="0" rtlCol="0" fromWordArt="0" anchor="ctr" anchorCtr="0" forceAA="0" compatLnSpc="1">
+              <a:prstTxWarp prst="textNoShape">
+                <a:avLst/>
+              </a:prstTxWarp>
+              <a:noAutofit/>
+            </a:bodyPr>
+            <a:lstStyle/>
+            <a:p>
+              <a:pPr algn="ctr">
+                <a:lnSpc>
+                  <a:spcPct val="115000"/>
+                </a:lnSpc>
+                <a:spcAft>
+                  <a:spcPts val="1000"/>
+                </a:spcAft>
+              </a:pPr>
+              <a:r>
+                <a:rPr lang="en-US" sz="1350" dirty="0">
+                  <a:solidFill>
+                    <a:srgbClr val="000000"/>
+                  </a:solidFill>
+                  <a:effectLst/>
+                  <a:ea typeface="PMingLiU" panose="02020500000000000000" pitchFamily="18" charset="-120"/>
+                  <a:cs typeface="Times New Roman" panose="02020603050405020304" pitchFamily="18" charset="0"/>
+                </a:rPr>
+                <a:t>Country</a:t>
+              </a:r>
+              <a:endParaRPr lang="en-CA" sz="1100" dirty="0">
+                <a:effectLst/>
+                <a:ea typeface="PMingLiU" panose="02020500000000000000" pitchFamily="18" charset="-120"/>
+                <a:cs typeface="Times New Roman" panose="02020603050405020304" pitchFamily="18" charset="0"/>
+              </a:endParaRPr>
+            </a:p>
+          </p:txBody>
+        </p:sp>
+        <p:sp>
+          <p:nvSpPr>
+            <p:cNvPr id="19" name="Oval 18">
+              <a:extLst>
+                <a:ext uri="{FF2B5EF4-FFF2-40B4-BE49-F238E27FC236}">
+                  <a16:creationId xmlns:a16="http://schemas.microsoft.com/office/drawing/2014/main" id="{3498E3D6-86C0-2847-8D20-4005A05163DF}"/>
+                </a:ext>
+              </a:extLst>
+            </p:cNvPr>
+            <p:cNvSpPr/>
+            <p:nvPr/>
+          </p:nvSpPr>
+          <p:spPr>
+            <a:xfrm>
+              <a:off x="342900" y="1781175"/>
+              <a:ext cx="1209675" cy="441291"/>
+            </a:xfrm>
+            <a:prstGeom prst="ellipse">
+              <a:avLst/>
+            </a:prstGeom>
+            <a:solidFill>
+              <a:srgbClr val="29FD2E"/>
+            </a:solidFill>
+            <a:ln w="12700">
+              <a:solidFill>
+                <a:schemeClr val="tx1"/>
+              </a:solidFill>
+            </a:ln>
+          </p:spPr>
+          <p:style>
+            <a:lnRef idx="2">
+              <a:schemeClr val="accent1">
+                <a:shade val="50000"/>
+              </a:schemeClr>
+            </a:lnRef>
+            <a:fillRef idx="1">
+              <a:schemeClr val="accent1"/>
+            </a:fillRef>
+            <a:effectRef idx="0">
+              <a:schemeClr val="accent1"/>
+            </a:effectRef>
+            <a:fontRef idx="minor">
+              <a:schemeClr val="lt1"/>
+            </a:fontRef>
+          </p:style>
+          <p:txBody>
+            <a:bodyPr rot="0" spcFirstLastPara="0" vert="horz" wrap="square" lIns="91440" tIns="45720" rIns="91440" bIns="45720" numCol="1" spcCol="0" rtlCol="0" fromWordArt="0" anchor="ctr" anchorCtr="0" forceAA="0" compatLnSpc="1">
+              <a:prstTxWarp prst="textNoShape">
+                <a:avLst/>
+              </a:prstTxWarp>
+              <a:noAutofit/>
+            </a:bodyPr>
+            <a:lstStyle/>
+            <a:p>
+              <a:pPr algn="ctr">
+                <a:lnSpc>
+                  <a:spcPct val="115000"/>
+                </a:lnSpc>
+                <a:spcAft>
+                  <a:spcPts val="1000"/>
+                </a:spcAft>
+              </a:pPr>
+              <a:r>
+                <a:rPr lang="en-US" sz="1400" u="sng">
+                  <a:solidFill>
+                    <a:srgbClr val="000000"/>
+                  </a:solidFill>
+                  <a:effectLst/>
+                  <a:ea typeface="PMingLiU" panose="02020500000000000000" pitchFamily="18" charset="-120"/>
+                  <a:cs typeface="Times New Roman" panose="02020603050405020304" pitchFamily="18" charset="0"/>
+                </a:rPr>
+                <a:t>name</a:t>
+              </a:r>
+              <a:endParaRPr lang="en-CA" sz="1100">
+                <a:effectLst/>
+                <a:ea typeface="PMingLiU" panose="02020500000000000000" pitchFamily="18" charset="-120"/>
+                <a:cs typeface="Times New Roman" panose="02020603050405020304" pitchFamily="18" charset="0"/>
+              </a:endParaRPr>
+            </a:p>
+          </p:txBody>
+        </p:sp>
+        <p:sp>
+          <p:nvSpPr>
+            <p:cNvPr id="20" name="Oval 19">
+              <a:extLst>
+                <a:ext uri="{FF2B5EF4-FFF2-40B4-BE49-F238E27FC236}">
+                  <a16:creationId xmlns:a16="http://schemas.microsoft.com/office/drawing/2014/main" id="{74B672D6-0A8B-2245-A8A5-D1CF3B4BADF1}"/>
+                </a:ext>
+              </a:extLst>
+            </p:cNvPr>
+            <p:cNvSpPr/>
+            <p:nvPr/>
+          </p:nvSpPr>
+          <p:spPr>
+            <a:xfrm>
+              <a:off x="342900" y="2352675"/>
+              <a:ext cx="1209675" cy="441291"/>
+            </a:xfrm>
+            <a:prstGeom prst="ellipse">
+              <a:avLst/>
+            </a:prstGeom>
+            <a:solidFill>
+              <a:srgbClr val="29FD2E"/>
+            </a:solidFill>
+            <a:ln w="12700">
+              <a:solidFill>
+                <a:schemeClr val="tx1"/>
+              </a:solidFill>
+            </a:ln>
+          </p:spPr>
+          <p:style>
+            <a:lnRef idx="2">
+              <a:schemeClr val="accent1">
+                <a:shade val="50000"/>
+              </a:schemeClr>
+            </a:lnRef>
+            <a:fillRef idx="1">
+              <a:schemeClr val="accent1"/>
+            </a:fillRef>
+            <a:effectRef idx="0">
+              <a:schemeClr val="accent1"/>
+            </a:effectRef>
+            <a:fontRef idx="minor">
+              <a:schemeClr val="lt1"/>
+            </a:fontRef>
+          </p:style>
+          <p:txBody>
+            <a:bodyPr rot="0" spcFirstLastPara="0" vert="horz" wrap="square" lIns="91440" tIns="45720" rIns="91440" bIns="45720" numCol="1" spcCol="0" rtlCol="0" fromWordArt="0" anchor="ctr" anchorCtr="0" forceAA="0" compatLnSpc="1">
+              <a:prstTxWarp prst="textNoShape">
+                <a:avLst/>
+              </a:prstTxWarp>
+              <a:noAutofit/>
+            </a:bodyPr>
+            <a:lstStyle/>
+            <a:p>
+              <a:pPr algn="ctr">
+                <a:lnSpc>
+                  <a:spcPct val="115000"/>
+                </a:lnSpc>
+                <a:spcAft>
+                  <a:spcPts val="1000"/>
+                </a:spcAft>
+              </a:pPr>
+              <a:r>
+                <a:rPr lang="en-US" sz="1350">
+                  <a:solidFill>
+                    <a:srgbClr val="000000"/>
+                  </a:solidFill>
+                  <a:effectLst/>
+                  <a:ea typeface="PMingLiU" panose="02020500000000000000" pitchFamily="18" charset="-120"/>
+                  <a:cs typeface="Times New Roman" panose="02020603050405020304" pitchFamily="18" charset="0"/>
+                </a:rPr>
+                <a:t>area</a:t>
+              </a:r>
+              <a:endParaRPr lang="en-CA" sz="1100">
+                <a:effectLst/>
+                <a:ea typeface="PMingLiU" panose="02020500000000000000" pitchFamily="18" charset="-120"/>
+                <a:cs typeface="Times New Roman" panose="02020603050405020304" pitchFamily="18" charset="0"/>
+              </a:endParaRPr>
+            </a:p>
+          </p:txBody>
+        </p:sp>
+        <p:sp>
+          <p:nvSpPr>
+            <p:cNvPr id="21" name="Oval 20">
+              <a:extLst>
+                <a:ext uri="{FF2B5EF4-FFF2-40B4-BE49-F238E27FC236}">
+                  <a16:creationId xmlns:a16="http://schemas.microsoft.com/office/drawing/2014/main" id="{6E40CD03-06E7-3B4E-BDD1-8E1CF6B1813A}"/>
+                </a:ext>
+              </a:extLst>
+            </p:cNvPr>
+            <p:cNvSpPr/>
+            <p:nvPr/>
+          </p:nvSpPr>
+          <p:spPr>
+            <a:xfrm>
+              <a:off x="4600575" y="1790700"/>
+              <a:ext cx="1362075" cy="441291"/>
+            </a:xfrm>
+            <a:prstGeom prst="ellipse">
+              <a:avLst/>
+            </a:prstGeom>
+            <a:solidFill>
+              <a:srgbClr val="29FD2E"/>
+            </a:solidFill>
+            <a:ln w="12700">
+              <a:solidFill>
+                <a:schemeClr val="tx1"/>
+              </a:solidFill>
+            </a:ln>
+          </p:spPr>
+          <p:style>
+            <a:lnRef idx="2">
+              <a:schemeClr val="accent1">
+                <a:shade val="50000"/>
+              </a:schemeClr>
+            </a:lnRef>
+            <a:fillRef idx="1">
+              <a:schemeClr val="accent1"/>
+            </a:fillRef>
+            <a:effectRef idx="0">
+              <a:schemeClr val="accent1"/>
+            </a:effectRef>
+            <a:fontRef idx="minor">
+              <a:schemeClr val="lt1"/>
+            </a:fontRef>
+          </p:style>
+          <p:txBody>
+            <a:bodyPr rot="0" spcFirstLastPara="0" vert="horz" wrap="square" lIns="91440" tIns="45720" rIns="91440" bIns="45720" numCol="1" spcCol="0" rtlCol="0" fromWordArt="0" anchor="ctr" anchorCtr="0" forceAA="0" compatLnSpc="1">
+              <a:prstTxWarp prst="textNoShape">
+                <a:avLst/>
+              </a:prstTxWarp>
+              <a:noAutofit/>
+            </a:bodyPr>
+            <a:lstStyle/>
+            <a:p>
+              <a:pPr algn="ctr">
+                <a:lnSpc>
+                  <a:spcPct val="115000"/>
+                </a:lnSpc>
+                <a:spcAft>
+                  <a:spcPts val="1000"/>
+                </a:spcAft>
+              </a:pPr>
+              <a:r>
+                <a:rPr lang="en-US" sz="1350">
+                  <a:solidFill>
+                    <a:srgbClr val="000000"/>
+                  </a:solidFill>
+                  <a:effectLst/>
+                  <a:ea typeface="PMingLiU" panose="02020500000000000000" pitchFamily="18" charset="-120"/>
+                  <a:cs typeface="Times New Roman" panose="02020603050405020304" pitchFamily="18" charset="0"/>
+                </a:rPr>
+                <a:t>population</a:t>
+              </a:r>
+              <a:endParaRPr lang="en-CA" sz="1100">
+                <a:effectLst/>
+                <a:ea typeface="PMingLiU" panose="02020500000000000000" pitchFamily="18" charset="-120"/>
+                <a:cs typeface="Times New Roman" panose="02020603050405020304" pitchFamily="18" charset="0"/>
+              </a:endParaRPr>
+            </a:p>
+          </p:txBody>
+        </p:sp>
+        <p:sp>
+          <p:nvSpPr>
+            <p:cNvPr id="22" name="Oval 21">
+              <a:extLst>
+                <a:ext uri="{FF2B5EF4-FFF2-40B4-BE49-F238E27FC236}">
+                  <a16:creationId xmlns:a16="http://schemas.microsoft.com/office/drawing/2014/main" id="{0117E29C-9A29-9346-96ED-37FEABEF199D}"/>
+                </a:ext>
+              </a:extLst>
+            </p:cNvPr>
+            <p:cNvSpPr/>
+            <p:nvPr/>
+          </p:nvSpPr>
+          <p:spPr>
+            <a:xfrm>
+              <a:off x="4686300" y="2352675"/>
+              <a:ext cx="1209675" cy="441291"/>
+            </a:xfrm>
+            <a:prstGeom prst="ellipse">
+              <a:avLst/>
+            </a:prstGeom>
+            <a:solidFill>
+              <a:srgbClr val="29FD2E"/>
+            </a:solidFill>
+            <a:ln w="12700">
+              <a:solidFill>
+                <a:schemeClr val="tx1"/>
+              </a:solidFill>
+            </a:ln>
+          </p:spPr>
+          <p:style>
+            <a:lnRef idx="2">
+              <a:schemeClr val="accent1">
+                <a:shade val="50000"/>
+              </a:schemeClr>
+            </a:lnRef>
+            <a:fillRef idx="1">
+              <a:schemeClr val="accent1"/>
+            </a:fillRef>
+            <a:effectRef idx="0">
+              <a:schemeClr val="accent1"/>
+            </a:effectRef>
+            <a:fontRef idx="minor">
+              <a:schemeClr val="lt1"/>
+            </a:fontRef>
+          </p:style>
+          <p:txBody>
+            <a:bodyPr rot="0" spcFirstLastPara="0" vert="horz" wrap="square" lIns="91440" tIns="45720" rIns="91440" bIns="45720" numCol="1" spcCol="0" rtlCol="0" fromWordArt="0" anchor="ctr" anchorCtr="0" forceAA="0" compatLnSpc="1">
+              <a:prstTxWarp prst="textNoShape">
+                <a:avLst/>
+              </a:prstTxWarp>
+              <a:noAutofit/>
+            </a:bodyPr>
+            <a:lstStyle/>
+            <a:p>
+              <a:pPr algn="ctr">
+                <a:lnSpc>
+                  <a:spcPct val="115000"/>
+                </a:lnSpc>
+                <a:spcAft>
+                  <a:spcPts val="1000"/>
+                </a:spcAft>
+              </a:pPr>
+              <a:r>
+                <a:rPr lang="en-US" sz="1350">
+                  <a:solidFill>
+                    <a:srgbClr val="000000"/>
+                  </a:solidFill>
+                  <a:effectLst/>
+                  <a:ea typeface="PMingLiU" panose="02020500000000000000" pitchFamily="18" charset="-120"/>
+                  <a:cs typeface="Times New Roman" panose="02020603050405020304" pitchFamily="18" charset="0"/>
+                </a:rPr>
+                <a:t>gdp</a:t>
+              </a:r>
+              <a:endParaRPr lang="en-CA" sz="1100">
+                <a:effectLst/>
+                <a:ea typeface="PMingLiU" panose="02020500000000000000" pitchFamily="18" charset="-120"/>
+                <a:cs typeface="Times New Roman" panose="02020603050405020304" pitchFamily="18" charset="0"/>
+              </a:endParaRPr>
+            </a:p>
+          </p:txBody>
+        </p:sp>
+        <p:cxnSp>
+          <p:nvCxnSpPr>
+            <p:cNvPr id="23" name="Straight Connector 22">
+              <a:extLst>
+                <a:ext uri="{FF2B5EF4-FFF2-40B4-BE49-F238E27FC236}">
+                  <a16:creationId xmlns:a16="http://schemas.microsoft.com/office/drawing/2014/main" id="{71C29EE0-14F7-4D46-81F8-9A27BECEF995}"/>
+                </a:ext>
+              </a:extLst>
+            </p:cNvPr>
+            <p:cNvCxnSpPr/>
+            <p:nvPr/>
+          </p:nvCxnSpPr>
+          <p:spPr>
+            <a:xfrm>
+              <a:off x="1552575" y="2028825"/>
+              <a:ext cx="390525" cy="257420"/>
+            </a:xfrm>
+            <a:prstGeom prst="line">
+              <a:avLst/>
+            </a:prstGeom>
+          </p:spPr>
+          <p:style>
+            <a:lnRef idx="1">
+              <a:schemeClr val="dk1"/>
+            </a:lnRef>
+            <a:fillRef idx="0">
+              <a:schemeClr val="dk1"/>
+            </a:fillRef>
+            <a:effectRef idx="0">
+              <a:schemeClr val="dk1"/>
+            </a:effectRef>
+            <a:fontRef idx="minor">
+              <a:schemeClr val="tx1"/>
+            </a:fontRef>
+          </p:style>
+        </p:cxnSp>
+        <p:cxnSp>
+          <p:nvCxnSpPr>
+            <p:cNvPr id="24" name="Straight Connector 23">
+              <a:extLst>
+                <a:ext uri="{FF2B5EF4-FFF2-40B4-BE49-F238E27FC236}">
+                  <a16:creationId xmlns:a16="http://schemas.microsoft.com/office/drawing/2014/main" id="{09B0921B-6AD0-4D4E-9091-46A6C3FCEDD0}"/>
+                </a:ext>
+              </a:extLst>
+            </p:cNvPr>
+            <p:cNvCxnSpPr/>
+            <p:nvPr/>
+          </p:nvCxnSpPr>
+          <p:spPr>
+            <a:xfrm flipV="1">
+              <a:off x="1552575" y="2409825"/>
+              <a:ext cx="390525" cy="174678"/>
+            </a:xfrm>
+            <a:prstGeom prst="line">
+              <a:avLst/>
+            </a:prstGeom>
+          </p:spPr>
+          <p:style>
+            <a:lnRef idx="1">
+              <a:schemeClr val="dk1"/>
+            </a:lnRef>
+            <a:fillRef idx="0">
+              <a:schemeClr val="dk1"/>
+            </a:fillRef>
+            <a:effectRef idx="0">
+              <a:schemeClr val="dk1"/>
+            </a:effectRef>
+            <a:fontRef idx="minor">
+              <a:schemeClr val="tx1"/>
+            </a:fontRef>
+          </p:style>
+        </p:cxnSp>
+        <p:cxnSp>
+          <p:nvCxnSpPr>
+            <p:cNvPr id="25" name="Straight Connector 24">
+              <a:extLst>
+                <a:ext uri="{FF2B5EF4-FFF2-40B4-BE49-F238E27FC236}">
+                  <a16:creationId xmlns:a16="http://schemas.microsoft.com/office/drawing/2014/main" id="{BD15E542-B387-4344-89CD-C5FA79A1FF0E}"/>
+                </a:ext>
+              </a:extLst>
+            </p:cNvPr>
+            <p:cNvCxnSpPr/>
+            <p:nvPr/>
+          </p:nvCxnSpPr>
+          <p:spPr>
+            <a:xfrm>
+              <a:off x="4419600" y="2409825"/>
+              <a:ext cx="266700" cy="174678"/>
+            </a:xfrm>
+            <a:prstGeom prst="line">
+              <a:avLst/>
+            </a:prstGeom>
+          </p:spPr>
+          <p:style>
+            <a:lnRef idx="1">
+              <a:schemeClr val="dk1"/>
+            </a:lnRef>
+            <a:fillRef idx="0">
+              <a:schemeClr val="dk1"/>
+            </a:fillRef>
+            <a:effectRef idx="0">
+              <a:schemeClr val="dk1"/>
+            </a:effectRef>
+            <a:fontRef idx="minor">
+              <a:schemeClr val="tx1"/>
+            </a:fontRef>
+          </p:style>
+        </p:cxnSp>
+        <p:cxnSp>
+          <p:nvCxnSpPr>
+            <p:cNvPr id="26" name="Straight Connector 25">
+              <a:extLst>
+                <a:ext uri="{FF2B5EF4-FFF2-40B4-BE49-F238E27FC236}">
+                  <a16:creationId xmlns:a16="http://schemas.microsoft.com/office/drawing/2014/main" id="{8C7F8D74-FC45-6A47-A343-9159CF76EF7C}"/>
+                </a:ext>
+              </a:extLst>
+            </p:cNvPr>
+            <p:cNvCxnSpPr/>
+            <p:nvPr/>
+          </p:nvCxnSpPr>
+          <p:spPr>
+            <a:xfrm flipV="1">
+              <a:off x="4419600" y="2028825"/>
+              <a:ext cx="180975" cy="257420"/>
+            </a:xfrm>
+            <a:prstGeom prst="line">
+              <a:avLst/>
+            </a:prstGeom>
+          </p:spPr>
+          <p:style>
+            <a:lnRef idx="1">
+              <a:schemeClr val="dk1"/>
+            </a:lnRef>
+            <a:fillRef idx="0">
+              <a:schemeClr val="dk1"/>
+            </a:fillRef>
+            <a:effectRef idx="0">
+              <a:schemeClr val="dk1"/>
+            </a:effectRef>
+            <a:fontRef idx="minor">
+              <a:schemeClr val="tx1"/>
+            </a:fontRef>
+          </p:style>
+        </p:cxnSp>
+        <p:sp>
+          <p:nvSpPr>
+            <p:cNvPr id="27" name="Diamond 26">
+              <a:extLst>
+                <a:ext uri="{FF2B5EF4-FFF2-40B4-BE49-F238E27FC236}">
+                  <a16:creationId xmlns:a16="http://schemas.microsoft.com/office/drawing/2014/main" id="{87E779AE-0002-094B-8394-3CC59A96729E}"/>
+                </a:ext>
+              </a:extLst>
+            </p:cNvPr>
+            <p:cNvSpPr/>
+            <p:nvPr/>
+          </p:nvSpPr>
+          <p:spPr>
+            <a:xfrm>
+              <a:off x="3829050" y="3095318"/>
+              <a:ext cx="1771650" cy="617699"/>
+            </a:xfrm>
+            <a:prstGeom prst="diamond">
+              <a:avLst/>
+            </a:prstGeom>
+            <a:solidFill>
+              <a:srgbClr val="4674C1"/>
+            </a:solidFill>
+            <a:ln w="12700">
+              <a:solidFill>
+                <a:schemeClr val="tx1"/>
+              </a:solidFill>
+            </a:ln>
+          </p:spPr>
+          <p:style>
+            <a:lnRef idx="2">
+              <a:schemeClr val="accent1">
+                <a:shade val="50000"/>
+              </a:schemeClr>
+            </a:lnRef>
+            <a:fillRef idx="1">
+              <a:schemeClr val="accent1"/>
+            </a:fillRef>
+            <a:effectRef idx="0">
+              <a:schemeClr val="accent1"/>
+            </a:effectRef>
+            <a:fontRef idx="minor">
+              <a:schemeClr val="lt1"/>
+            </a:fontRef>
+          </p:style>
+          <p:txBody>
+            <a:bodyPr rot="0" spcFirstLastPara="0" vert="horz" wrap="square" lIns="91440" tIns="45720" rIns="91440" bIns="45720" numCol="1" spcCol="0" rtlCol="0" fromWordArt="0" anchor="ctr" anchorCtr="0" forceAA="0" compatLnSpc="1">
+              <a:prstTxWarp prst="textNoShape">
+                <a:avLst/>
+              </a:prstTxWarp>
+              <a:noAutofit/>
+            </a:bodyPr>
+            <a:lstStyle/>
+            <a:p>
+              <a:pPr algn="ctr">
+                <a:lnSpc>
+                  <a:spcPct val="115000"/>
+                </a:lnSpc>
+                <a:spcAft>
+                  <a:spcPts val="1000"/>
+                </a:spcAft>
+              </a:pPr>
+              <a:r>
+                <a:rPr lang="en-US" sz="1350">
+                  <a:solidFill>
+                    <a:srgbClr val="FFFFFF"/>
+                  </a:solidFill>
+                  <a:effectLst/>
+                  <a:ea typeface="PMingLiU" panose="02020500000000000000" pitchFamily="18" charset="-120"/>
+                  <a:cs typeface="Times New Roman" panose="02020603050405020304" pitchFamily="18" charset="0"/>
+                </a:rPr>
+                <a:t>crosses</a:t>
+              </a:r>
+              <a:endParaRPr lang="en-CA" sz="1100">
+                <a:effectLst/>
+                <a:ea typeface="PMingLiU" panose="02020500000000000000" pitchFamily="18" charset="-120"/>
+                <a:cs typeface="Times New Roman" panose="02020603050405020304" pitchFamily="18" charset="0"/>
+              </a:endParaRPr>
+            </a:p>
+          </p:txBody>
+        </p:sp>
+        <p:cxnSp>
+          <p:nvCxnSpPr>
+            <p:cNvPr id="28" name="Straight Connector 27">
+              <a:extLst>
+                <a:ext uri="{FF2B5EF4-FFF2-40B4-BE49-F238E27FC236}">
+                  <a16:creationId xmlns:a16="http://schemas.microsoft.com/office/drawing/2014/main" id="{4F72889C-6AB5-C64D-A847-7ECECE5787EE}"/>
+                </a:ext>
+              </a:extLst>
+            </p:cNvPr>
+            <p:cNvCxnSpPr/>
+            <p:nvPr/>
+          </p:nvCxnSpPr>
+          <p:spPr>
+            <a:xfrm flipH="1" flipV="1">
+              <a:off x="3171825" y="2457450"/>
+              <a:ext cx="1552574" cy="643550"/>
+            </a:xfrm>
+            <a:prstGeom prst="line">
+              <a:avLst/>
+            </a:prstGeom>
+          </p:spPr>
+          <p:style>
+            <a:lnRef idx="1">
+              <a:schemeClr val="dk1"/>
+            </a:lnRef>
+            <a:fillRef idx="0">
+              <a:schemeClr val="dk1"/>
+            </a:fillRef>
+            <a:effectRef idx="0">
+              <a:schemeClr val="dk1"/>
+            </a:effectRef>
+            <a:fontRef idx="minor">
+              <a:schemeClr val="tx1"/>
+            </a:fontRef>
+          </p:style>
+        </p:cxnSp>
+        <p:cxnSp>
+          <p:nvCxnSpPr>
+            <p:cNvPr id="29" name="Straight Connector 28">
+              <a:extLst>
+                <a:ext uri="{FF2B5EF4-FFF2-40B4-BE49-F238E27FC236}">
+                  <a16:creationId xmlns:a16="http://schemas.microsoft.com/office/drawing/2014/main" id="{314B015B-6143-2B4E-8340-631EB2B66183}"/>
+                </a:ext>
+              </a:extLst>
+            </p:cNvPr>
+            <p:cNvCxnSpPr>
+              <a:stCxn id="27" idx="2"/>
+            </p:cNvCxnSpPr>
+            <p:nvPr/>
+          </p:nvCxnSpPr>
+          <p:spPr>
+            <a:xfrm>
+              <a:off x="4714875" y="3712650"/>
+              <a:ext cx="9525" cy="182604"/>
+            </a:xfrm>
+            <a:prstGeom prst="line">
+              <a:avLst/>
+            </a:prstGeom>
+          </p:spPr>
+          <p:style>
+            <a:lnRef idx="1">
+              <a:schemeClr val="dk1"/>
+            </a:lnRef>
+            <a:fillRef idx="0">
+              <a:schemeClr val="dk1"/>
+            </a:fillRef>
+            <a:effectRef idx="0">
+              <a:schemeClr val="dk1"/>
+            </a:effectRef>
+            <a:fontRef idx="minor">
+              <a:schemeClr val="tx1"/>
+            </a:fontRef>
+          </p:style>
+        </p:cxnSp>
+        <p:sp>
+          <p:nvSpPr>
+            <p:cNvPr id="30" name="Rectangle 29">
+              <a:extLst>
+                <a:ext uri="{FF2B5EF4-FFF2-40B4-BE49-F238E27FC236}">
+                  <a16:creationId xmlns:a16="http://schemas.microsoft.com/office/drawing/2014/main" id="{1927D057-148C-274C-B6D4-14F09475BF90}"/>
+                </a:ext>
+              </a:extLst>
+            </p:cNvPr>
+            <p:cNvSpPr/>
+            <p:nvPr/>
+          </p:nvSpPr>
+          <p:spPr>
+            <a:xfrm>
+              <a:off x="4067175" y="3895725"/>
+              <a:ext cx="1400175" cy="312581"/>
+            </a:xfrm>
+            <a:prstGeom prst="rect">
+              <a:avLst/>
+            </a:prstGeom>
+            <a:solidFill>
+              <a:srgbClr val="FAE5D7"/>
+            </a:solidFill>
+            <a:ln w="12700">
+              <a:solidFill>
+                <a:schemeClr val="tx1"/>
+              </a:solidFill>
+            </a:ln>
+          </p:spPr>
+          <p:style>
+            <a:lnRef idx="2">
+              <a:schemeClr val="accent1">
+                <a:shade val="50000"/>
+              </a:schemeClr>
+            </a:lnRef>
+            <a:fillRef idx="1">
+              <a:schemeClr val="accent1"/>
+            </a:fillRef>
+            <a:effectRef idx="0">
+              <a:schemeClr val="accent1"/>
+            </a:effectRef>
+            <a:fontRef idx="minor">
+              <a:schemeClr val="lt1"/>
+            </a:fontRef>
+          </p:style>
+          <p:txBody>
+            <a:bodyPr rot="0" spcFirstLastPara="0" vert="horz" wrap="square" lIns="91440" tIns="45720" rIns="91440" bIns="45720" numCol="1" spcCol="0" rtlCol="0" fromWordArt="0" anchor="ctr" anchorCtr="0" forceAA="0" compatLnSpc="1">
+              <a:prstTxWarp prst="textNoShape">
+                <a:avLst/>
+              </a:prstTxWarp>
+              <a:noAutofit/>
+            </a:bodyPr>
+            <a:lstStyle/>
+            <a:p>
+              <a:pPr algn="ctr">
+                <a:lnSpc>
+                  <a:spcPct val="115000"/>
+                </a:lnSpc>
+                <a:spcAft>
+                  <a:spcPts val="1000"/>
+                </a:spcAft>
+              </a:pPr>
+              <a:r>
+                <a:rPr lang="en-US" sz="1350">
+                  <a:solidFill>
+                    <a:srgbClr val="000000"/>
+                  </a:solidFill>
+                  <a:effectLst/>
+                  <a:ea typeface="PMingLiU" panose="02020500000000000000" pitchFamily="18" charset="-120"/>
+                  <a:cs typeface="Times New Roman" panose="02020603050405020304" pitchFamily="18" charset="0"/>
+                </a:rPr>
+                <a:t>River</a:t>
+              </a:r>
+              <a:endParaRPr lang="en-CA" sz="1100">
+                <a:effectLst/>
+                <a:ea typeface="PMingLiU" panose="02020500000000000000" pitchFamily="18" charset="-120"/>
+                <a:cs typeface="Times New Roman" panose="02020603050405020304" pitchFamily="18" charset="0"/>
+              </a:endParaRPr>
+            </a:p>
+          </p:txBody>
+        </p:sp>
+        <p:sp>
+          <p:nvSpPr>
+            <p:cNvPr id="31" name="Oval 30">
+              <a:extLst>
+                <a:ext uri="{FF2B5EF4-FFF2-40B4-BE49-F238E27FC236}">
+                  <a16:creationId xmlns:a16="http://schemas.microsoft.com/office/drawing/2014/main" id="{9F1254A9-5E89-5A43-AEE0-253B23076D65}"/>
+                </a:ext>
+              </a:extLst>
+            </p:cNvPr>
+            <p:cNvSpPr/>
+            <p:nvPr/>
+          </p:nvSpPr>
+          <p:spPr>
+            <a:xfrm>
+              <a:off x="5772150" y="3629025"/>
+              <a:ext cx="1209675" cy="441291"/>
+            </a:xfrm>
+            <a:prstGeom prst="ellipse">
+              <a:avLst/>
+            </a:prstGeom>
+            <a:solidFill>
+              <a:srgbClr val="29FD2E"/>
+            </a:solidFill>
+            <a:ln w="12700">
+              <a:solidFill>
+                <a:schemeClr val="tx1"/>
+              </a:solidFill>
+            </a:ln>
+          </p:spPr>
+          <p:style>
+            <a:lnRef idx="2">
+              <a:schemeClr val="accent1">
+                <a:shade val="50000"/>
+              </a:schemeClr>
+            </a:lnRef>
+            <a:fillRef idx="1">
+              <a:schemeClr val="accent1"/>
+            </a:fillRef>
+            <a:effectRef idx="0">
+              <a:schemeClr val="accent1"/>
+            </a:effectRef>
+            <a:fontRef idx="minor">
+              <a:schemeClr val="lt1"/>
+            </a:fontRef>
+          </p:style>
+          <p:txBody>
+            <a:bodyPr rot="0" spcFirstLastPara="0" vert="horz" wrap="square" lIns="91440" tIns="45720" rIns="91440" bIns="45720" numCol="1" spcCol="0" rtlCol="0" fromWordArt="0" anchor="ctr" anchorCtr="0" forceAA="0" compatLnSpc="1">
+              <a:prstTxWarp prst="textNoShape">
+                <a:avLst/>
+              </a:prstTxWarp>
+              <a:noAutofit/>
+            </a:bodyPr>
+            <a:lstStyle/>
+            <a:p>
+              <a:pPr algn="ctr">
+                <a:lnSpc>
+                  <a:spcPct val="115000"/>
+                </a:lnSpc>
+                <a:spcAft>
+                  <a:spcPts val="1000"/>
+                </a:spcAft>
+              </a:pPr>
+              <a:r>
+                <a:rPr lang="en-US" sz="1400" u="sng" dirty="0">
+                  <a:solidFill>
+                    <a:srgbClr val="000000"/>
+                  </a:solidFill>
+                  <a:effectLst/>
+                  <a:ea typeface="PMingLiU" panose="02020500000000000000" pitchFamily="18" charset="-120"/>
+                  <a:cs typeface="Times New Roman" panose="02020603050405020304" pitchFamily="18" charset="0"/>
+                </a:rPr>
+                <a:t>name</a:t>
+              </a:r>
+              <a:endParaRPr lang="en-CA" sz="1100" u="sng" dirty="0">
+                <a:effectLst/>
+                <a:ea typeface="PMingLiU" panose="02020500000000000000" pitchFamily="18" charset="-120"/>
+                <a:cs typeface="Times New Roman" panose="02020603050405020304" pitchFamily="18" charset="0"/>
+              </a:endParaRPr>
+            </a:p>
+          </p:txBody>
+        </p:sp>
+        <p:sp>
+          <p:nvSpPr>
+            <p:cNvPr id="32" name="Oval 31">
+              <a:extLst>
+                <a:ext uri="{FF2B5EF4-FFF2-40B4-BE49-F238E27FC236}">
+                  <a16:creationId xmlns:a16="http://schemas.microsoft.com/office/drawing/2014/main" id="{00D8E85B-F4C6-F548-BC79-854C048AE3F2}"/>
+                </a:ext>
+              </a:extLst>
+            </p:cNvPr>
+            <p:cNvSpPr/>
+            <p:nvPr/>
+          </p:nvSpPr>
+          <p:spPr>
+            <a:xfrm>
+              <a:off x="5772150" y="4210050"/>
+              <a:ext cx="1209675" cy="441291"/>
+            </a:xfrm>
+            <a:prstGeom prst="ellipse">
+              <a:avLst/>
+            </a:prstGeom>
+            <a:solidFill>
+              <a:srgbClr val="29FD2E"/>
+            </a:solidFill>
+            <a:ln w="12700">
+              <a:solidFill>
+                <a:schemeClr val="tx1"/>
+              </a:solidFill>
+            </a:ln>
+          </p:spPr>
+          <p:style>
+            <a:lnRef idx="2">
+              <a:schemeClr val="accent1">
+                <a:shade val="50000"/>
+              </a:schemeClr>
+            </a:lnRef>
+            <a:fillRef idx="1">
+              <a:schemeClr val="accent1"/>
+            </a:fillRef>
+            <a:effectRef idx="0">
+              <a:schemeClr val="accent1"/>
+            </a:effectRef>
+            <a:fontRef idx="minor">
+              <a:schemeClr val="lt1"/>
+            </a:fontRef>
+          </p:style>
+          <p:txBody>
+            <a:bodyPr rot="0" spcFirstLastPara="0" vert="horz" wrap="square" lIns="91440" tIns="45720" rIns="91440" bIns="45720" numCol="1" spcCol="0" rtlCol="0" fromWordArt="0" anchor="ctr" anchorCtr="0" forceAA="0" compatLnSpc="1">
+              <a:prstTxWarp prst="textNoShape">
+                <a:avLst/>
+              </a:prstTxWarp>
+              <a:noAutofit/>
+            </a:bodyPr>
+            <a:lstStyle/>
+            <a:p>
+              <a:pPr algn="ctr">
+                <a:lnSpc>
+                  <a:spcPct val="115000"/>
+                </a:lnSpc>
+                <a:spcAft>
+                  <a:spcPts val="1000"/>
+                </a:spcAft>
+              </a:pPr>
+              <a:r>
+                <a:rPr lang="en-US" sz="1400">
+                  <a:solidFill>
+                    <a:srgbClr val="000000"/>
+                  </a:solidFill>
+                  <a:effectLst/>
+                  <a:ea typeface="PMingLiU" panose="02020500000000000000" pitchFamily="18" charset="-120"/>
+                  <a:cs typeface="Times New Roman" panose="02020603050405020304" pitchFamily="18" charset="0"/>
+                </a:rPr>
+                <a:t>length</a:t>
+              </a:r>
+              <a:endParaRPr lang="en-CA" sz="1100">
+                <a:effectLst/>
+                <a:ea typeface="PMingLiU" panose="02020500000000000000" pitchFamily="18" charset="-120"/>
+                <a:cs typeface="Times New Roman" panose="02020603050405020304" pitchFamily="18" charset="0"/>
+              </a:endParaRPr>
+            </a:p>
+          </p:txBody>
+        </p:sp>
+        <p:cxnSp>
+          <p:nvCxnSpPr>
+            <p:cNvPr id="33" name="Straight Connector 32">
+              <a:extLst>
+                <a:ext uri="{FF2B5EF4-FFF2-40B4-BE49-F238E27FC236}">
+                  <a16:creationId xmlns:a16="http://schemas.microsoft.com/office/drawing/2014/main" id="{A1E68078-8307-0F4B-80EC-58D8C88F9DB2}"/>
+                </a:ext>
+              </a:extLst>
+            </p:cNvPr>
+            <p:cNvCxnSpPr/>
+            <p:nvPr/>
+          </p:nvCxnSpPr>
+          <p:spPr>
+            <a:xfrm flipV="1">
+              <a:off x="5467350" y="3838575"/>
+              <a:ext cx="304800" cy="119516"/>
+            </a:xfrm>
+            <a:prstGeom prst="line">
+              <a:avLst/>
+            </a:prstGeom>
+          </p:spPr>
+          <p:style>
+            <a:lnRef idx="1">
+              <a:schemeClr val="dk1"/>
+            </a:lnRef>
+            <a:fillRef idx="0">
+              <a:schemeClr val="dk1"/>
+            </a:fillRef>
+            <a:effectRef idx="0">
+              <a:schemeClr val="dk1"/>
+            </a:effectRef>
+            <a:fontRef idx="minor">
+              <a:schemeClr val="tx1"/>
+            </a:fontRef>
+          </p:style>
+        </p:cxnSp>
+        <p:cxnSp>
+          <p:nvCxnSpPr>
+            <p:cNvPr id="34" name="Straight Connector 33">
+              <a:extLst>
+                <a:ext uri="{FF2B5EF4-FFF2-40B4-BE49-F238E27FC236}">
+                  <a16:creationId xmlns:a16="http://schemas.microsoft.com/office/drawing/2014/main" id="{0CECA3AF-F7C7-EC41-9BA5-D367B2B53F0D}"/>
+                </a:ext>
+              </a:extLst>
+            </p:cNvPr>
+            <p:cNvCxnSpPr/>
+            <p:nvPr/>
+          </p:nvCxnSpPr>
+          <p:spPr>
+            <a:xfrm>
+              <a:off x="5467350" y="4114800"/>
+              <a:ext cx="304800" cy="275807"/>
+            </a:xfrm>
+            <a:prstGeom prst="line">
+              <a:avLst/>
+            </a:prstGeom>
+          </p:spPr>
+          <p:style>
+            <a:lnRef idx="1">
+              <a:schemeClr val="dk1"/>
+            </a:lnRef>
+            <a:fillRef idx="0">
+              <a:schemeClr val="dk1"/>
+            </a:fillRef>
+            <a:effectRef idx="0">
+              <a:schemeClr val="dk1"/>
+            </a:effectRef>
+            <a:fontRef idx="minor">
+              <a:schemeClr val="tx1"/>
+            </a:fontRef>
+          </p:style>
+        </p:cxnSp>
+        <p:cxnSp>
+          <p:nvCxnSpPr>
+            <p:cNvPr id="35" name="Straight Connector 34">
+              <a:extLst>
+                <a:ext uri="{FF2B5EF4-FFF2-40B4-BE49-F238E27FC236}">
+                  <a16:creationId xmlns:a16="http://schemas.microsoft.com/office/drawing/2014/main" id="{9E878C86-E9F9-F645-8D5B-D3AE5FCA4A23}"/>
+                </a:ext>
+              </a:extLst>
+            </p:cNvPr>
+            <p:cNvCxnSpPr>
+              <a:stCxn id="30" idx="1"/>
+              <a:endCxn id="36" idx="3"/>
+            </p:cNvCxnSpPr>
+            <p:nvPr/>
+          </p:nvCxnSpPr>
+          <p:spPr>
+            <a:xfrm flipH="1">
+              <a:off x="3829049" y="4052016"/>
+              <a:ext cx="238126" cy="29577"/>
+            </a:xfrm>
+            <a:prstGeom prst="line">
+              <a:avLst/>
+            </a:prstGeom>
+            <a:ln>
+              <a:tailEnd type="triangle"/>
+            </a:ln>
+          </p:spPr>
+          <p:style>
+            <a:lnRef idx="1">
+              <a:schemeClr val="dk1"/>
+            </a:lnRef>
+            <a:fillRef idx="0">
+              <a:schemeClr val="dk1"/>
+            </a:fillRef>
+            <a:effectRef idx="0">
+              <a:schemeClr val="dk1"/>
+            </a:effectRef>
+            <a:fontRef idx="minor">
+              <a:schemeClr val="tx1"/>
+            </a:fontRef>
+          </p:style>
+        </p:cxnSp>
+        <p:sp>
+          <p:nvSpPr>
+            <p:cNvPr id="36" name="Diamond 35">
+              <a:extLst>
+                <a:ext uri="{FF2B5EF4-FFF2-40B4-BE49-F238E27FC236}">
+                  <a16:creationId xmlns:a16="http://schemas.microsoft.com/office/drawing/2014/main" id="{B4993B04-19AC-F842-8A05-10A7CB5C314F}"/>
+                </a:ext>
+              </a:extLst>
+            </p:cNvPr>
+            <p:cNvSpPr/>
+            <p:nvPr/>
+          </p:nvSpPr>
+          <p:spPr>
+            <a:xfrm>
+              <a:off x="2324099" y="3784634"/>
+              <a:ext cx="1504950" cy="593918"/>
+            </a:xfrm>
+            <a:prstGeom prst="diamond">
+              <a:avLst/>
+            </a:prstGeom>
+            <a:solidFill>
+              <a:srgbClr val="4674C1"/>
+            </a:solidFill>
+            <a:ln w="12700">
+              <a:solidFill>
+                <a:schemeClr val="tx1"/>
+              </a:solidFill>
+            </a:ln>
+          </p:spPr>
+          <p:style>
+            <a:lnRef idx="2">
+              <a:schemeClr val="accent1">
+                <a:shade val="50000"/>
+              </a:schemeClr>
+            </a:lnRef>
+            <a:fillRef idx="1">
+              <a:schemeClr val="accent1"/>
+            </a:fillRef>
+            <a:effectRef idx="0">
+              <a:schemeClr val="accent1"/>
+            </a:effectRef>
+            <a:fontRef idx="minor">
+              <a:schemeClr val="lt1"/>
+            </a:fontRef>
+          </p:style>
+          <p:txBody>
+            <a:bodyPr rot="0" spcFirstLastPara="0" vert="horz" wrap="square" lIns="91440" tIns="45720" rIns="91440" bIns="45720" numCol="1" spcCol="0" rtlCol="0" fromWordArt="0" anchor="ctr" anchorCtr="0" forceAA="0" compatLnSpc="1">
+              <a:prstTxWarp prst="textNoShape">
+                <a:avLst/>
+              </a:prstTxWarp>
+              <a:noAutofit/>
+            </a:bodyPr>
+            <a:lstStyle/>
+            <a:p>
+              <a:pPr algn="ctr">
+                <a:lnSpc>
+                  <a:spcPct val="115000"/>
+                </a:lnSpc>
+                <a:spcAft>
+                  <a:spcPts val="1000"/>
+                </a:spcAft>
+              </a:pPr>
+              <a:r>
+                <a:rPr lang="en-US" sz="1350">
+                  <a:solidFill>
+                    <a:srgbClr val="FFFFFF"/>
+                  </a:solidFill>
+                  <a:effectLst/>
+                  <a:ea typeface="PMingLiU" panose="02020500000000000000" pitchFamily="18" charset="-120"/>
+                  <a:cs typeface="Times New Roman" panose="02020603050405020304" pitchFamily="18" charset="0"/>
+                </a:rPr>
+                <a:t>ends in</a:t>
+              </a:r>
+              <a:endParaRPr lang="en-CA" sz="1100">
+                <a:effectLst/>
+                <a:ea typeface="PMingLiU" panose="02020500000000000000" pitchFamily="18" charset="-120"/>
+                <a:cs typeface="Times New Roman" panose="02020603050405020304" pitchFamily="18" charset="0"/>
+              </a:endParaRPr>
+            </a:p>
+          </p:txBody>
+        </p:sp>
+        <p:sp>
+          <p:nvSpPr>
+            <p:cNvPr id="37" name="Rectangle 36">
+              <a:extLst>
+                <a:ext uri="{FF2B5EF4-FFF2-40B4-BE49-F238E27FC236}">
+                  <a16:creationId xmlns:a16="http://schemas.microsoft.com/office/drawing/2014/main" id="{283121D4-8175-A546-92C9-8C79092DF132}"/>
+                </a:ext>
+              </a:extLst>
+            </p:cNvPr>
+            <p:cNvSpPr/>
+            <p:nvPr/>
+          </p:nvSpPr>
+          <p:spPr>
+            <a:xfrm>
+              <a:off x="940336" y="3934720"/>
+              <a:ext cx="1110961" cy="312581"/>
+            </a:xfrm>
+            <a:prstGeom prst="rect">
+              <a:avLst/>
+            </a:prstGeom>
+            <a:solidFill>
+              <a:srgbClr val="FAE5D7"/>
+            </a:solidFill>
+            <a:ln w="12700">
+              <a:solidFill>
+                <a:schemeClr val="tx1"/>
+              </a:solidFill>
+            </a:ln>
+          </p:spPr>
+          <p:style>
+            <a:lnRef idx="2">
+              <a:schemeClr val="accent1">
+                <a:shade val="50000"/>
+              </a:schemeClr>
+            </a:lnRef>
+            <a:fillRef idx="1">
+              <a:schemeClr val="accent1"/>
+            </a:fillRef>
+            <a:effectRef idx="0">
+              <a:schemeClr val="accent1"/>
+            </a:effectRef>
+            <a:fontRef idx="minor">
+              <a:schemeClr val="lt1"/>
+            </a:fontRef>
+          </p:style>
+          <p:txBody>
+            <a:bodyPr rot="0" spcFirstLastPara="0" vert="horz" wrap="square" lIns="91440" tIns="45720" rIns="91440" bIns="45720" numCol="1" spcCol="0" rtlCol="0" fromWordArt="0" anchor="ctr" anchorCtr="0" forceAA="0" compatLnSpc="1">
+              <a:prstTxWarp prst="textNoShape">
+                <a:avLst/>
+              </a:prstTxWarp>
+              <a:noAutofit/>
+            </a:bodyPr>
+            <a:lstStyle/>
+            <a:p>
+              <a:pPr algn="ctr">
+                <a:lnSpc>
+                  <a:spcPct val="115000"/>
+                </a:lnSpc>
+                <a:spcAft>
+                  <a:spcPts val="1000"/>
+                </a:spcAft>
+              </a:pPr>
+              <a:r>
+                <a:rPr lang="en-US" sz="1350">
+                  <a:solidFill>
+                    <a:srgbClr val="000000"/>
+                  </a:solidFill>
+                  <a:effectLst/>
+                  <a:ea typeface="PMingLiU" panose="02020500000000000000" pitchFamily="18" charset="-120"/>
+                  <a:cs typeface="Times New Roman" panose="02020603050405020304" pitchFamily="18" charset="0"/>
+                </a:rPr>
+                <a:t>Seas</a:t>
+              </a:r>
+              <a:endParaRPr lang="en-CA" sz="1100">
+                <a:effectLst/>
+                <a:ea typeface="PMingLiU" panose="02020500000000000000" pitchFamily="18" charset="-120"/>
+                <a:cs typeface="Times New Roman" panose="02020603050405020304" pitchFamily="18" charset="0"/>
+              </a:endParaRPr>
+            </a:p>
+          </p:txBody>
+        </p:sp>
+        <p:sp>
+          <p:nvSpPr>
+            <p:cNvPr id="38" name="Oval 37">
+              <a:extLst>
+                <a:ext uri="{FF2B5EF4-FFF2-40B4-BE49-F238E27FC236}">
+                  <a16:creationId xmlns:a16="http://schemas.microsoft.com/office/drawing/2014/main" id="{654E6BA6-A7B1-244A-96F3-87BC3E87E519}"/>
+                </a:ext>
+              </a:extLst>
+            </p:cNvPr>
+            <p:cNvSpPr/>
+            <p:nvPr/>
+          </p:nvSpPr>
+          <p:spPr>
+            <a:xfrm>
+              <a:off x="-589038" y="3422163"/>
+              <a:ext cx="1209675" cy="441291"/>
+            </a:xfrm>
+            <a:prstGeom prst="ellipse">
+              <a:avLst/>
+            </a:prstGeom>
+            <a:solidFill>
+              <a:srgbClr val="29FD2E"/>
+            </a:solidFill>
+            <a:ln w="12700">
+              <a:solidFill>
+                <a:schemeClr val="tx1"/>
+              </a:solidFill>
+            </a:ln>
+          </p:spPr>
+          <p:style>
+            <a:lnRef idx="2">
+              <a:schemeClr val="accent1">
+                <a:shade val="50000"/>
+              </a:schemeClr>
+            </a:lnRef>
+            <a:fillRef idx="1">
+              <a:schemeClr val="accent1"/>
+            </a:fillRef>
+            <a:effectRef idx="0">
+              <a:schemeClr val="accent1"/>
+            </a:effectRef>
+            <a:fontRef idx="minor">
+              <a:schemeClr val="lt1"/>
+            </a:fontRef>
+          </p:style>
+          <p:txBody>
+            <a:bodyPr rot="0" spcFirstLastPara="0" vert="horz" wrap="square" lIns="91440" tIns="45720" rIns="91440" bIns="45720" numCol="1" spcCol="0" rtlCol="0" fromWordArt="0" anchor="ctr" anchorCtr="0" forceAA="0" compatLnSpc="1">
+              <a:prstTxWarp prst="textNoShape">
+                <a:avLst/>
+              </a:prstTxWarp>
+              <a:noAutofit/>
+            </a:bodyPr>
+            <a:lstStyle/>
+            <a:p>
+              <a:pPr algn="ctr">
+                <a:lnSpc>
+                  <a:spcPct val="115000"/>
+                </a:lnSpc>
+                <a:spcAft>
+                  <a:spcPts val="1000"/>
+                </a:spcAft>
+              </a:pPr>
+              <a:r>
+                <a:rPr lang="en-US" sz="1400" u="sng" dirty="0">
+                  <a:solidFill>
+                    <a:srgbClr val="000000"/>
+                  </a:solidFill>
+                  <a:effectLst/>
+                  <a:ea typeface="PMingLiU" panose="02020500000000000000" pitchFamily="18" charset="-120"/>
+                  <a:cs typeface="Times New Roman" panose="02020603050405020304" pitchFamily="18" charset="0"/>
+                </a:rPr>
+                <a:t>name</a:t>
+              </a:r>
+              <a:endParaRPr lang="en-CA" sz="1100" u="sng" dirty="0">
+                <a:effectLst/>
+                <a:ea typeface="PMingLiU" panose="02020500000000000000" pitchFamily="18" charset="-120"/>
+                <a:cs typeface="Times New Roman" panose="02020603050405020304" pitchFamily="18" charset="0"/>
+              </a:endParaRPr>
+            </a:p>
+          </p:txBody>
+        </p:sp>
+        <p:cxnSp>
+          <p:nvCxnSpPr>
+            <p:cNvPr id="39" name="Straight Connector 38">
+              <a:extLst>
+                <a:ext uri="{FF2B5EF4-FFF2-40B4-BE49-F238E27FC236}">
+                  <a16:creationId xmlns:a16="http://schemas.microsoft.com/office/drawing/2014/main" id="{C32BA9F8-405F-F241-A19E-A73260CE6B93}"/>
+                </a:ext>
+              </a:extLst>
+            </p:cNvPr>
+            <p:cNvCxnSpPr>
+              <a:cxnSpLocks/>
+            </p:cNvCxnSpPr>
+            <p:nvPr/>
+          </p:nvCxnSpPr>
+          <p:spPr>
+            <a:xfrm flipV="1">
+              <a:off x="641702" y="4208306"/>
+              <a:ext cx="298633" cy="368213"/>
+            </a:xfrm>
+            <a:prstGeom prst="line">
+              <a:avLst/>
+            </a:prstGeom>
+          </p:spPr>
+          <p:style>
+            <a:lnRef idx="1">
+              <a:schemeClr val="dk1"/>
+            </a:lnRef>
+            <a:fillRef idx="0">
+              <a:schemeClr val="dk1"/>
+            </a:fillRef>
+            <a:effectRef idx="0">
+              <a:schemeClr val="dk1"/>
+            </a:effectRef>
+            <a:fontRef idx="minor">
+              <a:schemeClr val="tx1"/>
+            </a:fontRef>
+          </p:style>
+        </p:cxnSp>
+        <p:cxnSp>
+          <p:nvCxnSpPr>
+            <p:cNvPr id="40" name="Straight Connector 39">
+              <a:extLst>
+                <a:ext uri="{FF2B5EF4-FFF2-40B4-BE49-F238E27FC236}">
+                  <a16:creationId xmlns:a16="http://schemas.microsoft.com/office/drawing/2014/main" id="{C1ADD378-29C3-C54A-81FB-A7B8CD932163}"/>
+                </a:ext>
+              </a:extLst>
+            </p:cNvPr>
+            <p:cNvCxnSpPr>
+              <a:endCxn id="36" idx="1"/>
+            </p:cNvCxnSpPr>
+            <p:nvPr/>
+          </p:nvCxnSpPr>
+          <p:spPr>
+            <a:xfrm>
+              <a:off x="2051232" y="4070075"/>
+              <a:ext cx="272743" cy="11165"/>
+            </a:xfrm>
+            <a:prstGeom prst="line">
+              <a:avLst/>
+            </a:prstGeom>
+          </p:spPr>
+          <p:style>
+            <a:lnRef idx="1">
+              <a:schemeClr val="dk1"/>
+            </a:lnRef>
+            <a:fillRef idx="0">
+              <a:schemeClr val="dk1"/>
+            </a:fillRef>
+            <a:effectRef idx="0">
+              <a:schemeClr val="dk1"/>
+            </a:effectRef>
+            <a:fontRef idx="minor">
+              <a:schemeClr val="tx1"/>
+            </a:fontRef>
+          </p:style>
+        </p:cxnSp>
+        <p:sp>
+          <p:nvSpPr>
+            <p:cNvPr id="41" name="Oval 40">
+              <a:extLst>
+                <a:ext uri="{FF2B5EF4-FFF2-40B4-BE49-F238E27FC236}">
+                  <a16:creationId xmlns:a16="http://schemas.microsoft.com/office/drawing/2014/main" id="{31E64BEB-1EF9-424C-896B-3DEC1719BDB1}"/>
+                </a:ext>
+              </a:extLst>
+            </p:cNvPr>
+            <p:cNvSpPr/>
+            <p:nvPr/>
+          </p:nvSpPr>
+          <p:spPr>
+            <a:xfrm>
+              <a:off x="-796050" y="4477213"/>
+              <a:ext cx="1457325" cy="441291"/>
+            </a:xfrm>
+            <a:prstGeom prst="ellipse">
+              <a:avLst/>
+            </a:prstGeom>
+            <a:solidFill>
+              <a:srgbClr val="29FD2E"/>
+            </a:solidFill>
+            <a:ln w="12700">
+              <a:solidFill>
+                <a:schemeClr val="tx1"/>
+              </a:solidFill>
+            </a:ln>
+          </p:spPr>
+          <p:style>
+            <a:lnRef idx="2">
+              <a:schemeClr val="accent1">
+                <a:shade val="50000"/>
+              </a:schemeClr>
+            </a:lnRef>
+            <a:fillRef idx="1">
+              <a:schemeClr val="accent1"/>
+            </a:fillRef>
+            <a:effectRef idx="0">
+              <a:schemeClr val="accent1"/>
+            </a:effectRef>
+            <a:fontRef idx="minor">
+              <a:schemeClr val="lt1"/>
+            </a:fontRef>
+          </p:style>
+          <p:txBody>
+            <a:bodyPr rot="0" spcFirstLastPara="0" vert="horz" wrap="square" lIns="91440" tIns="45720" rIns="91440" bIns="45720" numCol="1" spcCol="0" rtlCol="0" fromWordArt="0" anchor="ctr" anchorCtr="0" forceAA="0" compatLnSpc="1">
+              <a:prstTxWarp prst="textNoShape">
+                <a:avLst/>
+              </a:prstTxWarp>
+              <a:noAutofit/>
+            </a:bodyPr>
+            <a:lstStyle/>
+            <a:p>
+              <a:pPr algn="ctr">
+                <a:lnSpc>
+                  <a:spcPct val="115000"/>
+                </a:lnSpc>
+                <a:spcAft>
+                  <a:spcPts val="1000"/>
+                </a:spcAft>
+              </a:pPr>
+              <a:r>
+                <a:rPr lang="en-US" sz="1400" dirty="0">
+                  <a:solidFill>
+                    <a:srgbClr val="000000"/>
+                  </a:solidFill>
+                  <a:effectLst/>
+                  <a:ea typeface="PMingLiU" panose="02020500000000000000" pitchFamily="18" charset="-120"/>
+                  <a:cs typeface="Times New Roman" panose="02020603050405020304" pitchFamily="18" charset="0"/>
+                </a:rPr>
+                <a:t>max depth</a:t>
+              </a:r>
+              <a:endParaRPr lang="en-CA" sz="1100" dirty="0">
+                <a:effectLst/>
+                <a:ea typeface="PMingLiU" panose="02020500000000000000" pitchFamily="18" charset="-120"/>
+                <a:cs typeface="Times New Roman" panose="02020603050405020304" pitchFamily="18" charset="0"/>
+              </a:endParaRPr>
+            </a:p>
+          </p:txBody>
+        </p:sp>
+      </p:grpSp>
+      <p:cxnSp>
+        <p:nvCxnSpPr>
+          <p:cNvPr id="42" name="Straight Connector 41">
+            <a:extLst>
+              <a:ext uri="{FF2B5EF4-FFF2-40B4-BE49-F238E27FC236}">
+                <a16:creationId xmlns:a16="http://schemas.microsoft.com/office/drawing/2014/main" id="{8EFA1CA3-A0AB-AF4A-AA06-3FA59A4FF61C}"/>
+              </a:ext>
+            </a:extLst>
+          </p:cNvPr>
+          <p:cNvCxnSpPr>
+            <a:cxnSpLocks/>
+            <a:stCxn id="38" idx="6"/>
+          </p:cNvCxnSpPr>
+          <p:nvPr/>
+        </p:nvCxnSpPr>
+        <p:spPr>
+          <a:xfrm>
+            <a:off x="1894102" y="4562610"/>
+            <a:ext cx="319684" cy="291885"/>
+          </a:xfrm>
+          <a:prstGeom prst="line">
+            <a:avLst/>
+          </a:prstGeom>
+        </p:spPr>
+        <p:style>
+          <a:lnRef idx="1">
+            <a:schemeClr val="dk1"/>
+          </a:lnRef>
+          <a:fillRef idx="0">
+            <a:schemeClr val="dk1"/>
+          </a:fillRef>
+          <a:effectRef idx="0">
+            <a:schemeClr val="dk1"/>
+          </a:effectRef>
+          <a:fontRef idx="minor">
+            <a:schemeClr val="tx1"/>
+          </a:fontRef>
+        </p:style>
+      </p:cxnSp>
+    </p:spTree>
+    <p:extLst>
+      <p:ext uri="{BB962C8B-B14F-4D97-AF65-F5344CB8AC3E}">
+        <p14:creationId xmlns:p14="http://schemas.microsoft.com/office/powerpoint/2010/main" val="4109824888"/>
+      </p:ext>
+    </p:extLst>
+  </p:cSld>
+  <p:clrMapOvr>
+    <a:masterClrMapping/>
+  </p:clrMapOvr>
+</p:sld>
+</file>
+
+<file path=ppt/slides/slide47.xml><?xml version="1.0" encoding="utf-8"?>
+<p:sld xmlns:a="http://schemas.openxmlformats.org/drawingml/2006/main" xmlns:r="http://schemas.openxmlformats.org/officeDocument/2006/relationships" xmlns:p="http://schemas.openxmlformats.org/presentationml/2006/main">
+  <p:cSld>
+    <p:spTree>
+      <p:nvGrpSpPr>
+        <p:cNvPr id="1" name=""/>
+        <p:cNvGrpSpPr/>
+        <p:nvPr/>
+      </p:nvGrpSpPr>
+      <p:grpSpPr>
+        <a:xfrm>
+          <a:off x="0" y="0"/>
+          <a:ext cx="0" cy="0"/>
+          <a:chOff x="0" y="0"/>
+          <a:chExt cx="0" cy="0"/>
+        </a:xfrm>
+      </p:grpSpPr>
+      <p:sp>
+        <p:nvSpPr>
           <p:cNvPr id="2" name="Title 1"/>
           <p:cNvSpPr>
             <a:spLocks noGrp="1"/>
@@ -45667,7 +48178,7 @@
               <a:pPr>
                 <a:defRPr/>
               </a:pPr>
-              <a:t>46</a:t>
+              <a:t>47</a:t>
             </a:fld>
             <a:endParaRPr lang="en-US">
               <a:solidFill>
@@ -45803,7 +48314,7 @@
 </p:sld>
 </file>
 
-<file path=ppt/slides/slide47.xml><?xml version="1.0" encoding="utf-8"?>
+<file path=ppt/slides/slide48.xml><?xml version="1.0" encoding="utf-8"?>
 <p:sld xmlns:a="http://schemas.openxmlformats.org/drawingml/2006/main" xmlns:r="http://schemas.openxmlformats.org/officeDocument/2006/relationships" xmlns:p="http://schemas.openxmlformats.org/presentationml/2006/main">
   <p:cSld>
     <p:spTree>
@@ -46059,7 +48570,7 @@
               <a:pPr>
                 <a:defRPr/>
               </a:pPr>
-              <a:t>47</a:t>
+              <a:t>48</a:t>
             </a:fld>
             <a:endParaRPr lang="en-US">
               <a:solidFill>
@@ -47110,7 +49621,7 @@
 </p:sld>
 </file>
 
-<file path=ppt/slides/slide48.xml><?xml version="1.0" encoding="utf-8"?>
+<file path=ppt/slides/slide49.xml><?xml version="1.0" encoding="utf-8"?>
 <p:sld xmlns:a="http://schemas.openxmlformats.org/drawingml/2006/main" xmlns:r="http://schemas.openxmlformats.org/officeDocument/2006/relationships" xmlns:p="http://schemas.openxmlformats.org/presentationml/2006/main">
   <p:cSld>
     <p:spTree>
@@ -47159,7 +49670,7 @@
             <p:ph idx="1"/>
             <p:extLst>
               <p:ext uri="{D42A27DB-BD31-4B8C-83A1-F6EECF244321}">
-                <p14:modId xmlns:p14="http://schemas.microsoft.com/office/powerpoint/2010/main" val="1844233350"/>
+                <p14:modId xmlns:p14="http://schemas.microsoft.com/office/powerpoint/2010/main" val="4292380620"/>
               </p:ext>
             </p:extLst>
           </p:nvPr>
@@ -47344,9 +49855,10 @@
                     <a:lstStyle/>
                     <a:p>
                       <a:r>
-                        <a:rPr lang="en-US" sz="1100" dirty="0"/>
-                        <a:t>Mike</a:t>
+                        <a:rPr lang="en-US" sz="1100" dirty="0" err="1"/>
+                        <a:t>Jiannan</a:t>
                       </a:r>
+                      <a:endParaRPr lang="en-US" sz="1100" dirty="0"/>
                     </a:p>
                   </a:txBody>
                   <a:tcPr marL="68580" marR="68580" marT="34290" marB="34290"/>
@@ -47358,7 +49870,7 @@
                     <a:p>
                       <a:r>
                         <a:rPr lang="en-US" sz="1100" dirty="0"/>
-                        <a:t>Jordan</a:t>
+                        <a:t>Wang</a:t>
                       </a:r>
                     </a:p>
                   </a:txBody>
@@ -47473,7 +49985,7 @@
               <a:pPr>
                 <a:defRPr/>
               </a:pPr>
-              <a:t>48</a:t>
+              <a:t>49</a:t>
             </a:fld>
             <a:endParaRPr lang="en-US">
               <a:solidFill>
@@ -49165,86 +51677,6 @@
 </p:sld>
 </file>
 
-<file path=ppt/slides/slide49.xml><?xml version="1.0" encoding="utf-8"?>
-<p:sld xmlns:a="http://schemas.openxmlformats.org/drawingml/2006/main" xmlns:r="http://schemas.openxmlformats.org/officeDocument/2006/relationships" xmlns:p="http://schemas.openxmlformats.org/presentationml/2006/main">
-  <p:cSld>
-    <p:spTree>
-      <p:nvGrpSpPr>
-        <p:cNvPr id="1" name=""/>
-        <p:cNvGrpSpPr/>
-        <p:nvPr/>
-      </p:nvGrpSpPr>
-      <p:grpSpPr>
-        <a:xfrm>
-          <a:off x="0" y="0"/>
-          <a:ext cx="0" cy="0"/>
-          <a:chOff x="0" y="0"/>
-          <a:chExt cx="0" cy="0"/>
-        </a:xfrm>
-      </p:grpSpPr>
-      <p:sp>
-        <p:nvSpPr>
-          <p:cNvPr id="2" name="Title 1"/>
-          <p:cNvSpPr>
-            <a:spLocks noGrp="1"/>
-          </p:cNvSpPr>
-          <p:nvPr>
-            <p:ph type="title"/>
-          </p:nvPr>
-        </p:nvSpPr>
-        <p:spPr>
-          <a:xfrm>
-            <a:off x="2709863" y="909639"/>
-            <a:ext cx="4605337" cy="2852737"/>
-          </a:xfrm>
-        </p:spPr>
-        <p:txBody>
-          <a:bodyPr/>
-          <a:lstStyle/>
-          <a:p>
-            <a:r>
-              <a:rPr lang="en-US" dirty="0"/>
-              <a:t>Exercise -3</a:t>
-            </a:r>
-          </a:p>
-        </p:txBody>
-      </p:sp>
-      <p:sp>
-        <p:nvSpPr>
-          <p:cNvPr id="4" name="Slide Number Placeholder 3"/>
-          <p:cNvSpPr>
-            <a:spLocks noGrp="1"/>
-          </p:cNvSpPr>
-          <p:nvPr>
-            <p:ph type="sldNum" sz="quarter" idx="12"/>
-          </p:nvPr>
-        </p:nvSpPr>
-        <p:spPr/>
-        <p:txBody>
-          <a:bodyPr/>
-          <a:lstStyle/>
-          <a:p>
-            <a:fld id="{40A01959-B587-3B45-A9B3-C17F42F09305}" type="slidenum">
-              <a:rPr lang="en-US" smtClean="0"/>
-              <a:t>49</a:t>
-            </a:fld>
-            <a:endParaRPr lang="en-US"/>
-          </a:p>
-        </p:txBody>
-      </p:sp>
-    </p:spTree>
-    <p:extLst>
-      <p:ext uri="{BB962C8B-B14F-4D97-AF65-F5344CB8AC3E}">
-        <p14:creationId xmlns:p14="http://schemas.microsoft.com/office/powerpoint/2010/main" val="2851346378"/>
-      </p:ext>
-    </p:extLst>
-  </p:cSld>
-  <p:clrMapOvr>
-    <a:masterClrMapping/>
-  </p:clrMapOvr>
-</p:sld>
-</file>
-
 <file path=ppt/slides/slide5.xml><?xml version="1.0" encoding="utf-8"?>
 <p:sld xmlns:a="http://schemas.openxmlformats.org/drawingml/2006/main" xmlns:r="http://schemas.openxmlformats.org/officeDocument/2006/relationships" xmlns:p="http://schemas.openxmlformats.org/presentationml/2006/main">
   <p:cSld>
@@ -49446,14 +51878,19 @@
             <p:ph type="title"/>
           </p:nvPr>
         </p:nvSpPr>
-        <p:spPr/>
+        <p:spPr>
+          <a:xfrm>
+            <a:off x="2709863" y="909639"/>
+            <a:ext cx="4605337" cy="2852737"/>
+          </a:xfrm>
+        </p:spPr>
         <p:txBody>
           <a:bodyPr/>
           <a:lstStyle/>
           <a:p>
             <a:r>
               <a:rPr lang="en-US" dirty="0"/>
-              <a:t>From E/R Diagram to Relational Schema</a:t>
+              <a:t>Exercise -3</a:t>
             </a:r>
           </a:p>
         </p:txBody>
@@ -49473,1103 +51910,18 @@
           <a:bodyPr/>
           <a:lstStyle/>
           <a:p>
-            <a:pPr>
-              <a:defRPr/>
-            </a:pPr>
-            <a:fld id="{C3D4CD00-30DF-8443-816B-88C3C65D8B99}" type="slidenum">
-              <a:rPr lang="en-US" smtClean="0">
-                <a:solidFill>
-                  <a:srgbClr val="000000"/>
-                </a:solidFill>
-              </a:rPr>
-              <a:pPr>
-                <a:defRPr/>
-              </a:pPr>
+            <a:fld id="{40A01959-B587-3B45-A9B3-C17F42F09305}" type="slidenum">
+              <a:rPr lang="en-US" smtClean="0"/>
               <a:t>50</a:t>
             </a:fld>
-            <a:endParaRPr lang="en-US">
-              <a:solidFill>
-                <a:srgbClr val="000000"/>
-              </a:solidFill>
-            </a:endParaRPr>
-          </a:p>
-        </p:txBody>
-      </p:sp>
-      <p:grpSp>
-        <p:nvGrpSpPr>
-          <p:cNvPr id="5" name="Group 4"/>
-          <p:cNvGrpSpPr/>
-          <p:nvPr/>
-        </p:nvGrpSpPr>
-        <p:grpSpPr>
-          <a:xfrm>
-            <a:off x="1364048" y="3083065"/>
-            <a:ext cx="6436927" cy="2845946"/>
-            <a:chOff x="1792673" y="3254817"/>
-            <a:chExt cx="5583309" cy="2434408"/>
-          </a:xfrm>
-        </p:grpSpPr>
-        <p:sp>
-          <p:nvSpPr>
-            <p:cNvPr id="16" name="AutoShape 8"/>
-            <p:cNvSpPr>
-              <a:spLocks noChangeArrowheads="1"/>
-            </p:cNvSpPr>
-            <p:nvPr/>
-          </p:nvSpPr>
-          <p:spPr bwMode="auto">
-            <a:xfrm>
-              <a:off x="4127833" y="4140358"/>
-              <a:ext cx="1037849" cy="379517"/>
-            </a:xfrm>
-            <a:prstGeom prst="diamond">
-              <a:avLst/>
-            </a:prstGeom>
-            <a:solidFill>
-              <a:schemeClr val="accent1"/>
-            </a:solidFill>
-            <a:ln w="9525">
-              <a:solidFill>
-                <a:schemeClr val="tx1"/>
-              </a:solidFill>
-              <a:miter lim="800000"/>
-              <a:headEnd/>
-              <a:tailEnd/>
-            </a:ln>
-          </p:spPr>
-          <p:txBody>
-            <a:bodyPr wrap="none" anchor="ctr">
-              <a:prstTxWarp prst="textNoShape">
-                <a:avLst/>
-              </a:prstTxWarp>
-            </a:bodyPr>
-            <a:lstStyle/>
-            <a:p>
-              <a:pPr algn="ctr" eaLnBrk="0" fontAlgn="base" hangingPunct="0">
-                <a:spcBef>
-                  <a:spcPct val="0"/>
-                </a:spcBef>
-                <a:spcAft>
-                  <a:spcPct val="0"/>
-                </a:spcAft>
-              </a:pPr>
-              <a:r>
-                <a:rPr lang="en-US" sz="1100" dirty="0">
-                  <a:solidFill>
-                    <a:schemeClr val="bg1"/>
-                  </a:solidFill>
-                </a:rPr>
-                <a:t>Purchased</a:t>
-              </a:r>
-            </a:p>
-          </p:txBody>
-        </p:sp>
-        <p:sp>
-          <p:nvSpPr>
-            <p:cNvPr id="17" name="Rectangle 16"/>
-            <p:cNvSpPr>
-              <a:spLocks noChangeArrowheads="1"/>
-            </p:cNvSpPr>
-            <p:nvPr/>
-          </p:nvSpPr>
-          <p:spPr bwMode="auto">
-            <a:xfrm>
-              <a:off x="3046740" y="4182525"/>
-              <a:ext cx="691900" cy="295180"/>
-            </a:xfrm>
-            <a:prstGeom prst="rect">
-              <a:avLst/>
-            </a:prstGeom>
-            <a:solidFill>
-              <a:schemeClr val="accent2">
-                <a:lumMod val="20000"/>
-                <a:lumOff val="80000"/>
-              </a:schemeClr>
-            </a:solidFill>
-            <a:ln w="9525">
-              <a:solidFill>
-                <a:schemeClr val="tx1"/>
-              </a:solidFill>
-              <a:miter lim="800000"/>
-              <a:headEnd/>
-              <a:tailEnd/>
-            </a:ln>
-          </p:spPr>
-          <p:txBody>
-            <a:bodyPr wrap="none" anchor="ctr">
-              <a:prstTxWarp prst="textNoShape">
-                <a:avLst/>
-              </a:prstTxWarp>
-            </a:bodyPr>
-            <a:lstStyle/>
-            <a:p>
-              <a:pPr algn="ctr" eaLnBrk="0" fontAlgn="base" hangingPunct="0">
-                <a:spcBef>
-                  <a:spcPct val="0"/>
-                </a:spcBef>
-                <a:spcAft>
-                  <a:spcPct val="0"/>
-                </a:spcAft>
-              </a:pPr>
-              <a:r>
-                <a:rPr lang="en-US" sz="1100" dirty="0">
-                  <a:solidFill>
-                    <a:srgbClr val="000000"/>
-                  </a:solidFill>
-                </a:rPr>
-                <a:t>Product</a:t>
-              </a:r>
-            </a:p>
-          </p:txBody>
-        </p:sp>
-        <p:sp>
-          <p:nvSpPr>
-            <p:cNvPr id="18" name="Oval 12"/>
-            <p:cNvSpPr>
-              <a:spLocks noChangeArrowheads="1"/>
-            </p:cNvSpPr>
-            <p:nvPr/>
-          </p:nvSpPr>
-          <p:spPr bwMode="auto">
-            <a:xfrm>
-              <a:off x="2398084" y="3549997"/>
-              <a:ext cx="821631" cy="379517"/>
-            </a:xfrm>
-            <a:prstGeom prst="ellipse">
-              <a:avLst/>
-            </a:prstGeom>
-            <a:solidFill>
-              <a:srgbClr val="00FF00"/>
-            </a:solidFill>
-            <a:ln w="9525">
-              <a:solidFill>
-                <a:schemeClr val="tx1"/>
-              </a:solidFill>
-              <a:round/>
-              <a:headEnd/>
-              <a:tailEnd/>
-            </a:ln>
-          </p:spPr>
-          <p:txBody>
-            <a:bodyPr wrap="none" anchor="ctr">
-              <a:prstTxWarp prst="textNoShape">
-                <a:avLst/>
-              </a:prstTxWarp>
-            </a:bodyPr>
-            <a:lstStyle/>
-            <a:p>
-              <a:pPr algn="ctr" eaLnBrk="0" fontAlgn="base" hangingPunct="0">
-                <a:spcBef>
-                  <a:spcPct val="0"/>
-                </a:spcBef>
-                <a:spcAft>
-                  <a:spcPct val="0"/>
-                </a:spcAft>
-              </a:pPr>
-              <a:r>
-                <a:rPr lang="en-US" sz="1100" u="sng">
-                  <a:solidFill>
-                    <a:srgbClr val="000000"/>
-                  </a:solidFill>
-                </a:rPr>
-                <a:t>name</a:t>
-              </a:r>
-            </a:p>
-          </p:txBody>
-        </p:sp>
-        <p:sp>
-          <p:nvSpPr>
-            <p:cNvPr id="19" name="Oval 13"/>
-            <p:cNvSpPr>
-              <a:spLocks noChangeArrowheads="1"/>
-            </p:cNvSpPr>
-            <p:nvPr/>
-          </p:nvSpPr>
-          <p:spPr bwMode="auto">
-            <a:xfrm>
-              <a:off x="3306202" y="3592166"/>
-              <a:ext cx="821631" cy="379517"/>
-            </a:xfrm>
-            <a:prstGeom prst="ellipse">
-              <a:avLst/>
-            </a:prstGeom>
-            <a:solidFill>
-              <a:srgbClr val="00FF00"/>
-            </a:solidFill>
-            <a:ln w="9525">
-              <a:solidFill>
-                <a:schemeClr val="tx1"/>
-              </a:solidFill>
-              <a:round/>
-              <a:headEnd/>
-              <a:tailEnd/>
-            </a:ln>
-          </p:spPr>
-          <p:txBody>
-            <a:bodyPr wrap="none" anchor="ctr">
-              <a:prstTxWarp prst="textNoShape">
-                <a:avLst/>
-              </a:prstTxWarp>
-            </a:bodyPr>
-            <a:lstStyle/>
-            <a:p>
-              <a:pPr algn="ctr" eaLnBrk="0" fontAlgn="base" hangingPunct="0">
-                <a:spcBef>
-                  <a:spcPct val="0"/>
-                </a:spcBef>
-                <a:spcAft>
-                  <a:spcPct val="0"/>
-                </a:spcAft>
-              </a:pPr>
-              <a:r>
-                <a:rPr lang="en-US" sz="1100">
-                  <a:solidFill>
-                    <a:srgbClr val="000000"/>
-                  </a:solidFill>
-                </a:rPr>
-                <a:t>category</a:t>
-              </a:r>
-            </a:p>
-          </p:txBody>
-        </p:sp>
-        <p:sp>
-          <p:nvSpPr>
-            <p:cNvPr id="20" name="Oval 16"/>
-            <p:cNvSpPr>
-              <a:spLocks noChangeArrowheads="1"/>
-            </p:cNvSpPr>
-            <p:nvPr/>
-          </p:nvSpPr>
-          <p:spPr bwMode="auto">
-            <a:xfrm>
-              <a:off x="1792673" y="3887346"/>
-              <a:ext cx="821631" cy="379517"/>
-            </a:xfrm>
-            <a:prstGeom prst="ellipse">
-              <a:avLst/>
-            </a:prstGeom>
-            <a:solidFill>
-              <a:srgbClr val="00FF00"/>
-            </a:solidFill>
-            <a:ln w="9525">
-              <a:solidFill>
-                <a:schemeClr val="tx1"/>
-              </a:solidFill>
-              <a:round/>
-              <a:headEnd/>
-              <a:tailEnd/>
-            </a:ln>
-          </p:spPr>
-          <p:txBody>
-            <a:bodyPr wrap="none" anchor="ctr">
-              <a:prstTxWarp prst="textNoShape">
-                <a:avLst/>
-              </a:prstTxWarp>
-            </a:bodyPr>
-            <a:lstStyle/>
-            <a:p>
-              <a:pPr algn="ctr" eaLnBrk="0" fontAlgn="base" hangingPunct="0">
-                <a:spcBef>
-                  <a:spcPct val="0"/>
-                </a:spcBef>
-                <a:spcAft>
-                  <a:spcPct val="0"/>
-                </a:spcAft>
-              </a:pPr>
-              <a:r>
-                <a:rPr lang="en-US" sz="1100">
-                  <a:solidFill>
-                    <a:srgbClr val="000000"/>
-                  </a:solidFill>
-                </a:rPr>
-                <a:t>price</a:t>
-              </a:r>
-            </a:p>
-          </p:txBody>
-        </p:sp>
-        <p:cxnSp>
-          <p:nvCxnSpPr>
-            <p:cNvPr id="21" name="Straight Connector 20"/>
-            <p:cNvCxnSpPr/>
-            <p:nvPr/>
-          </p:nvCxnSpPr>
-          <p:spPr bwMode="auto">
-            <a:xfrm rot="16200000" flipH="1">
-              <a:off x="2710945" y="3994318"/>
-              <a:ext cx="118832" cy="552763"/>
-            </a:xfrm>
-            <a:prstGeom prst="line">
-              <a:avLst/>
-            </a:prstGeom>
-            <a:solidFill>
-              <a:srgbClr val="C0C0C0">
-                <a:alpha val="50000"/>
-              </a:srgbClr>
-            </a:solidFill>
-            <a:ln w="9525" cap="flat" cmpd="sng" algn="ctr">
-              <a:solidFill>
-                <a:schemeClr val="tx1"/>
-              </a:solidFill>
-              <a:prstDash val="solid"/>
-              <a:round/>
-              <a:headEnd type="none" w="med" len="med"/>
-              <a:tailEnd type="none" w="med" len="med"/>
-            </a:ln>
-            <a:effectLst/>
-          </p:spPr>
-        </p:cxnSp>
-        <p:cxnSp>
-          <p:nvCxnSpPr>
-            <p:cNvPr id="26" name="Straight Connector 25"/>
-            <p:cNvCxnSpPr/>
-            <p:nvPr/>
-          </p:nvCxnSpPr>
-          <p:spPr bwMode="auto">
-            <a:xfrm rot="16200000" flipH="1">
-              <a:off x="3091744" y="3881581"/>
-              <a:ext cx="308591" cy="293300"/>
-            </a:xfrm>
-            <a:prstGeom prst="line">
-              <a:avLst/>
-            </a:prstGeom>
-            <a:solidFill>
-              <a:srgbClr val="C0C0C0">
-                <a:alpha val="50000"/>
-              </a:srgbClr>
-            </a:solidFill>
-            <a:ln w="9525" cap="flat" cmpd="sng" algn="ctr">
-              <a:solidFill>
-                <a:schemeClr val="tx1"/>
-              </a:solidFill>
-              <a:prstDash val="solid"/>
-              <a:round/>
-              <a:headEnd type="none" w="med" len="med"/>
-              <a:tailEnd type="none" w="med" len="med"/>
-            </a:ln>
-            <a:effectLst/>
-          </p:spPr>
-        </p:cxnSp>
-        <p:cxnSp>
-          <p:nvCxnSpPr>
-            <p:cNvPr id="27" name="Straight Connector 26"/>
-            <p:cNvCxnSpPr/>
-            <p:nvPr/>
-          </p:nvCxnSpPr>
-          <p:spPr bwMode="auto">
-            <a:xfrm rot="5400000">
-              <a:off x="3449432" y="3914940"/>
-              <a:ext cx="210843" cy="324327"/>
-            </a:xfrm>
-            <a:prstGeom prst="line">
-              <a:avLst/>
-            </a:prstGeom>
-            <a:solidFill>
-              <a:srgbClr val="C0C0C0">
-                <a:alpha val="50000"/>
-              </a:srgbClr>
-            </a:solidFill>
-            <a:ln w="9525" cap="flat" cmpd="sng" algn="ctr">
-              <a:solidFill>
-                <a:schemeClr val="tx1"/>
-              </a:solidFill>
-              <a:prstDash val="solid"/>
-              <a:round/>
-              <a:headEnd type="none" w="med" len="med"/>
-              <a:tailEnd type="none" w="med" len="med"/>
-            </a:ln>
-            <a:effectLst/>
-          </p:spPr>
-        </p:cxnSp>
-        <p:sp>
-          <p:nvSpPr>
-            <p:cNvPr id="28" name="Rectangle 27"/>
-            <p:cNvSpPr>
-              <a:spLocks noChangeArrowheads="1"/>
-            </p:cNvSpPr>
-            <p:nvPr/>
-          </p:nvSpPr>
-          <p:spPr bwMode="auto">
-            <a:xfrm>
-              <a:off x="5511631" y="4182525"/>
-              <a:ext cx="946319" cy="295180"/>
-            </a:xfrm>
-            <a:prstGeom prst="rect">
-              <a:avLst/>
-            </a:prstGeom>
-            <a:solidFill>
-              <a:schemeClr val="accent2">
-                <a:lumMod val="20000"/>
-                <a:lumOff val="80000"/>
-              </a:schemeClr>
-            </a:solidFill>
-            <a:ln w="9525">
-              <a:solidFill>
-                <a:schemeClr val="tx1"/>
-              </a:solidFill>
-              <a:miter lim="800000"/>
-              <a:headEnd/>
-              <a:tailEnd/>
-            </a:ln>
-          </p:spPr>
-          <p:txBody>
-            <a:bodyPr wrap="none" anchor="ctr">
-              <a:prstTxWarp prst="textNoShape">
-                <a:avLst/>
-              </a:prstTxWarp>
-            </a:bodyPr>
-            <a:lstStyle/>
-            <a:p>
-              <a:pPr algn="ctr" eaLnBrk="0" fontAlgn="base" hangingPunct="0">
-                <a:spcBef>
-                  <a:spcPct val="0"/>
-                </a:spcBef>
-                <a:spcAft>
-                  <a:spcPct val="0"/>
-                </a:spcAft>
-              </a:pPr>
-              <a:r>
-                <a:rPr lang="en-US" sz="1100" dirty="0">
-                  <a:solidFill>
-                    <a:srgbClr val="000000"/>
-                  </a:solidFill>
-                </a:rPr>
-                <a:t>Person</a:t>
-              </a:r>
-            </a:p>
-          </p:txBody>
-        </p:sp>
-        <p:sp>
-          <p:nvSpPr>
-            <p:cNvPr id="29" name="Oval 12"/>
-            <p:cNvSpPr>
-              <a:spLocks noChangeArrowheads="1"/>
-            </p:cNvSpPr>
-            <p:nvPr/>
-          </p:nvSpPr>
-          <p:spPr bwMode="auto">
-            <a:xfrm>
-              <a:off x="5402815" y="3315895"/>
-              <a:ext cx="821631" cy="379517"/>
-            </a:xfrm>
-            <a:prstGeom prst="ellipse">
-              <a:avLst/>
-            </a:prstGeom>
-            <a:solidFill>
-              <a:srgbClr val="00FF00"/>
-            </a:solidFill>
-            <a:ln w="9525">
-              <a:solidFill>
-                <a:schemeClr val="tx1"/>
-              </a:solidFill>
-              <a:round/>
-              <a:headEnd/>
-              <a:tailEnd/>
-            </a:ln>
-          </p:spPr>
-          <p:txBody>
-            <a:bodyPr wrap="none" anchor="ctr">
-              <a:prstTxWarp prst="textNoShape">
-                <a:avLst/>
-              </a:prstTxWarp>
-            </a:bodyPr>
-            <a:lstStyle/>
-            <a:p>
-              <a:pPr algn="ctr" eaLnBrk="0" fontAlgn="base" hangingPunct="0">
-                <a:spcBef>
-                  <a:spcPct val="0"/>
-                </a:spcBef>
-                <a:spcAft>
-                  <a:spcPct val="0"/>
-                </a:spcAft>
-              </a:pPr>
-              <a:r>
-                <a:rPr lang="en-US" sz="1100" u="sng" dirty="0" err="1">
-                  <a:solidFill>
-                    <a:srgbClr val="000000"/>
-                  </a:solidFill>
-                </a:rPr>
-                <a:t>firstname</a:t>
-              </a:r>
-              <a:endParaRPr lang="en-US" sz="1100" u="sng" dirty="0">
-                <a:solidFill>
-                  <a:srgbClr val="000000"/>
-                </a:solidFill>
-              </a:endParaRPr>
-            </a:p>
-          </p:txBody>
-        </p:sp>
-        <p:cxnSp>
-          <p:nvCxnSpPr>
-            <p:cNvPr id="30" name="Straight Connector 29"/>
-            <p:cNvCxnSpPr>
-              <a:stCxn id="29" idx="4"/>
-            </p:cNvCxnSpPr>
-            <p:nvPr/>
-          </p:nvCxnSpPr>
-          <p:spPr bwMode="auto">
-            <a:xfrm>
-              <a:off x="5813630" y="3695412"/>
-              <a:ext cx="325037" cy="487115"/>
-            </a:xfrm>
-            <a:prstGeom prst="line">
-              <a:avLst/>
-            </a:prstGeom>
-            <a:solidFill>
-              <a:srgbClr val="C0C0C0">
-                <a:alpha val="50000"/>
-              </a:srgbClr>
-            </a:solidFill>
-            <a:ln w="9525" cap="flat" cmpd="sng" algn="ctr">
-              <a:solidFill>
-                <a:schemeClr val="tx1"/>
-              </a:solidFill>
-              <a:prstDash val="solid"/>
-              <a:round/>
-              <a:headEnd type="none" w="med" len="med"/>
-              <a:tailEnd type="none" w="med" len="med"/>
-            </a:ln>
-            <a:effectLst/>
-          </p:spPr>
-        </p:cxnSp>
-        <p:cxnSp>
-          <p:nvCxnSpPr>
-            <p:cNvPr id="31" name="Straight Connector 30"/>
-            <p:cNvCxnSpPr/>
-            <p:nvPr/>
-          </p:nvCxnSpPr>
-          <p:spPr bwMode="auto">
-            <a:xfrm>
-              <a:off x="3738640" y="4330117"/>
-              <a:ext cx="389194" cy="878"/>
-            </a:xfrm>
-            <a:prstGeom prst="line">
-              <a:avLst/>
-            </a:prstGeom>
-            <a:solidFill>
-              <a:srgbClr val="C0C0C0">
-                <a:alpha val="50000"/>
-              </a:srgbClr>
-            </a:solidFill>
-            <a:ln w="9525" cap="flat" cmpd="sng" algn="ctr">
-              <a:solidFill>
-                <a:schemeClr val="tx1"/>
-              </a:solidFill>
-              <a:prstDash val="solid"/>
-              <a:round/>
-              <a:headEnd type="none" w="med" len="med"/>
-              <a:tailEnd type="none" w="med" len="med"/>
-            </a:ln>
-            <a:effectLst/>
-          </p:spPr>
-        </p:cxnSp>
-        <p:cxnSp>
-          <p:nvCxnSpPr>
-            <p:cNvPr id="32" name="Straight Connector 31"/>
-            <p:cNvCxnSpPr/>
-            <p:nvPr/>
-          </p:nvCxnSpPr>
-          <p:spPr bwMode="auto">
-            <a:xfrm>
-              <a:off x="5165682" y="4330116"/>
-              <a:ext cx="345950" cy="63254"/>
-            </a:xfrm>
-            <a:prstGeom prst="line">
-              <a:avLst/>
-            </a:prstGeom>
-            <a:solidFill>
-              <a:srgbClr val="C0C0C0">
-                <a:alpha val="50000"/>
-              </a:srgbClr>
-            </a:solidFill>
-            <a:ln w="9525" cap="flat" cmpd="sng" algn="ctr">
-              <a:solidFill>
-                <a:schemeClr val="tx1"/>
-              </a:solidFill>
-              <a:prstDash val="solid"/>
-              <a:round/>
-              <a:headEnd type="none" w="med" len="med"/>
-              <a:tailEnd type="none" w="med" len="med"/>
-            </a:ln>
-            <a:effectLst/>
-          </p:spPr>
-        </p:cxnSp>
-        <p:sp>
-          <p:nvSpPr>
-            <p:cNvPr id="33" name="Oval 13"/>
-            <p:cNvSpPr>
-              <a:spLocks noChangeArrowheads="1"/>
-            </p:cNvSpPr>
-            <p:nvPr/>
-          </p:nvSpPr>
-          <p:spPr bwMode="auto">
-            <a:xfrm>
-              <a:off x="4344051" y="3254817"/>
-              <a:ext cx="821631" cy="379517"/>
-            </a:xfrm>
-            <a:prstGeom prst="ellipse">
-              <a:avLst/>
-            </a:prstGeom>
-            <a:solidFill>
-              <a:srgbClr val="00FF00"/>
-            </a:solidFill>
-            <a:ln w="9525">
-              <a:solidFill>
-                <a:schemeClr val="tx1"/>
-              </a:solidFill>
-              <a:round/>
-              <a:headEnd/>
-              <a:tailEnd/>
-            </a:ln>
-          </p:spPr>
-          <p:txBody>
-            <a:bodyPr wrap="none" anchor="ctr">
-              <a:prstTxWarp prst="textNoShape">
-                <a:avLst/>
-              </a:prstTxWarp>
-            </a:bodyPr>
-            <a:lstStyle/>
-            <a:p>
-              <a:pPr algn="ctr" eaLnBrk="0" fontAlgn="base" hangingPunct="0">
-                <a:spcBef>
-                  <a:spcPct val="0"/>
-                </a:spcBef>
-                <a:spcAft>
-                  <a:spcPct val="0"/>
-                </a:spcAft>
-              </a:pPr>
-              <a:r>
-                <a:rPr lang="en-US" sz="1100" dirty="0">
-                  <a:solidFill>
-                    <a:srgbClr val="000000"/>
-                  </a:solidFill>
-                </a:rPr>
-                <a:t>date</a:t>
-              </a:r>
-            </a:p>
-          </p:txBody>
-        </p:sp>
-        <p:cxnSp>
-          <p:nvCxnSpPr>
-            <p:cNvPr id="34" name="Straight Connector 33"/>
-            <p:cNvCxnSpPr/>
-            <p:nvPr/>
-          </p:nvCxnSpPr>
-          <p:spPr bwMode="auto">
-            <a:xfrm rot="5400000">
-              <a:off x="4447800" y="3833291"/>
-              <a:ext cx="506024" cy="108109"/>
-            </a:xfrm>
-            <a:prstGeom prst="line">
-              <a:avLst/>
-            </a:prstGeom>
-            <a:solidFill>
-              <a:srgbClr val="C0C0C0">
-                <a:alpha val="50000"/>
-              </a:srgbClr>
-            </a:solidFill>
-            <a:ln w="9525" cap="flat" cmpd="sng" algn="ctr">
-              <a:solidFill>
-                <a:schemeClr val="tx1"/>
-              </a:solidFill>
-              <a:prstDash val="solid"/>
-              <a:round/>
-              <a:headEnd type="none" w="med" len="med"/>
-              <a:tailEnd type="none" w="med" len="med"/>
-            </a:ln>
-            <a:effectLst/>
-          </p:spPr>
-        </p:cxnSp>
-        <p:sp>
-          <p:nvSpPr>
-            <p:cNvPr id="35" name="Oval 12"/>
-            <p:cNvSpPr>
-              <a:spLocks noChangeArrowheads="1"/>
-            </p:cNvSpPr>
-            <p:nvPr/>
-          </p:nvSpPr>
-          <p:spPr bwMode="auto">
-            <a:xfrm>
-              <a:off x="6554351" y="3315895"/>
-              <a:ext cx="821631" cy="379517"/>
-            </a:xfrm>
-            <a:prstGeom prst="ellipse">
-              <a:avLst/>
-            </a:prstGeom>
-            <a:solidFill>
-              <a:srgbClr val="00FF00"/>
-            </a:solidFill>
-            <a:ln w="9525">
-              <a:solidFill>
-                <a:schemeClr val="tx1"/>
-              </a:solidFill>
-              <a:round/>
-              <a:headEnd/>
-              <a:tailEnd/>
-            </a:ln>
-          </p:spPr>
-          <p:txBody>
-            <a:bodyPr wrap="none" anchor="ctr">
-              <a:prstTxWarp prst="textNoShape">
-                <a:avLst/>
-              </a:prstTxWarp>
-            </a:bodyPr>
-            <a:lstStyle/>
-            <a:p>
-              <a:pPr algn="ctr" eaLnBrk="0" fontAlgn="base" hangingPunct="0">
-                <a:spcBef>
-                  <a:spcPct val="0"/>
-                </a:spcBef>
-                <a:spcAft>
-                  <a:spcPct val="0"/>
-                </a:spcAft>
-              </a:pPr>
-              <a:r>
-                <a:rPr lang="en-US" sz="1100" u="sng" dirty="0" err="1">
-                  <a:solidFill>
-                    <a:srgbClr val="000000"/>
-                  </a:solidFill>
-                </a:rPr>
-                <a:t>lastname</a:t>
-              </a:r>
-              <a:endParaRPr lang="en-US" sz="1100" u="sng" dirty="0">
-                <a:solidFill>
-                  <a:srgbClr val="000000"/>
-                </a:solidFill>
-              </a:endParaRPr>
-            </a:p>
-          </p:txBody>
-        </p:sp>
-        <p:cxnSp>
-          <p:nvCxnSpPr>
-            <p:cNvPr id="36" name="Straight Connector 35"/>
-            <p:cNvCxnSpPr>
-              <a:stCxn id="35" idx="4"/>
-            </p:cNvCxnSpPr>
-            <p:nvPr/>
-          </p:nvCxnSpPr>
-          <p:spPr bwMode="auto">
-            <a:xfrm flipH="1">
-              <a:off x="6138667" y="3695412"/>
-              <a:ext cx="826500" cy="487113"/>
-            </a:xfrm>
-            <a:prstGeom prst="line">
-              <a:avLst/>
-            </a:prstGeom>
-            <a:solidFill>
-              <a:srgbClr val="C0C0C0">
-                <a:alpha val="50000"/>
-              </a:srgbClr>
-            </a:solidFill>
-            <a:ln w="9525" cap="flat" cmpd="sng" algn="ctr">
-              <a:solidFill>
-                <a:schemeClr val="tx1"/>
-              </a:solidFill>
-              <a:prstDash val="solid"/>
-              <a:round/>
-              <a:headEnd type="none" w="med" len="med"/>
-              <a:tailEnd type="none" w="med" len="med"/>
-            </a:ln>
-            <a:effectLst/>
-          </p:spPr>
-        </p:cxnSp>
-        <p:sp>
-          <p:nvSpPr>
-            <p:cNvPr id="40" name="Rectangle 39"/>
-            <p:cNvSpPr>
-              <a:spLocks noChangeArrowheads="1"/>
-            </p:cNvSpPr>
-            <p:nvPr/>
-          </p:nvSpPr>
-          <p:spPr bwMode="auto">
-            <a:xfrm>
-              <a:off x="3046742" y="5394045"/>
-              <a:ext cx="691900" cy="295180"/>
-            </a:xfrm>
-            <a:prstGeom prst="rect">
-              <a:avLst/>
-            </a:prstGeom>
-            <a:solidFill>
-              <a:schemeClr val="accent2">
-                <a:lumMod val="20000"/>
-                <a:lumOff val="80000"/>
-              </a:schemeClr>
-            </a:solidFill>
-            <a:ln w="9525">
-              <a:solidFill>
-                <a:schemeClr val="tx1"/>
-              </a:solidFill>
-              <a:miter lim="800000"/>
-              <a:headEnd/>
-              <a:tailEnd/>
-            </a:ln>
-          </p:spPr>
-          <p:txBody>
-            <a:bodyPr wrap="none" anchor="ctr">
-              <a:prstTxWarp prst="textNoShape">
-                <a:avLst/>
-              </a:prstTxWarp>
-            </a:bodyPr>
-            <a:lstStyle/>
-            <a:p>
-              <a:pPr algn="ctr" eaLnBrk="0" fontAlgn="base" hangingPunct="0">
-                <a:spcBef>
-                  <a:spcPct val="0"/>
-                </a:spcBef>
-                <a:spcAft>
-                  <a:spcPct val="0"/>
-                </a:spcAft>
-              </a:pPr>
-              <a:r>
-                <a:rPr lang="en-US" sz="1100" dirty="0">
-                  <a:solidFill>
-                    <a:srgbClr val="000000"/>
-                  </a:solidFill>
-                </a:rPr>
-                <a:t>Store</a:t>
-              </a:r>
-            </a:p>
-          </p:txBody>
-        </p:sp>
-        <p:sp>
-          <p:nvSpPr>
-            <p:cNvPr id="41" name="Oval 12"/>
-            <p:cNvSpPr>
-              <a:spLocks noChangeArrowheads="1"/>
-            </p:cNvSpPr>
-            <p:nvPr/>
-          </p:nvSpPr>
-          <p:spPr bwMode="auto">
-            <a:xfrm>
-              <a:off x="2398085" y="4761517"/>
-              <a:ext cx="821631" cy="379517"/>
-            </a:xfrm>
-            <a:prstGeom prst="ellipse">
-              <a:avLst/>
-            </a:prstGeom>
-            <a:solidFill>
-              <a:srgbClr val="00FF00"/>
-            </a:solidFill>
-            <a:ln w="9525">
-              <a:solidFill>
-                <a:schemeClr val="tx1"/>
-              </a:solidFill>
-              <a:round/>
-              <a:headEnd/>
-              <a:tailEnd/>
-            </a:ln>
-          </p:spPr>
-          <p:txBody>
-            <a:bodyPr wrap="none" anchor="ctr">
-              <a:prstTxWarp prst="textNoShape">
-                <a:avLst/>
-              </a:prstTxWarp>
-            </a:bodyPr>
-            <a:lstStyle/>
-            <a:p>
-              <a:pPr algn="ctr" eaLnBrk="0" fontAlgn="base" hangingPunct="0">
-                <a:spcBef>
-                  <a:spcPct val="0"/>
-                </a:spcBef>
-                <a:spcAft>
-                  <a:spcPct val="0"/>
-                </a:spcAft>
-              </a:pPr>
-              <a:r>
-                <a:rPr lang="en-US" sz="1100" u="sng">
-                  <a:solidFill>
-                    <a:srgbClr val="000000"/>
-                  </a:solidFill>
-                </a:rPr>
-                <a:t>name</a:t>
-              </a:r>
-            </a:p>
-          </p:txBody>
-        </p:sp>
-        <p:sp>
-          <p:nvSpPr>
-            <p:cNvPr id="42" name="Oval 13"/>
-            <p:cNvSpPr>
-              <a:spLocks noChangeArrowheads="1"/>
-            </p:cNvSpPr>
-            <p:nvPr/>
-          </p:nvSpPr>
-          <p:spPr bwMode="auto">
-            <a:xfrm>
-              <a:off x="3306203" y="4803686"/>
-              <a:ext cx="821631" cy="379517"/>
-            </a:xfrm>
-            <a:prstGeom prst="ellipse">
-              <a:avLst/>
-            </a:prstGeom>
-            <a:solidFill>
-              <a:srgbClr val="00FF00"/>
-            </a:solidFill>
-            <a:ln w="9525">
-              <a:solidFill>
-                <a:schemeClr val="tx1"/>
-              </a:solidFill>
-              <a:round/>
-              <a:headEnd/>
-              <a:tailEnd/>
-            </a:ln>
-          </p:spPr>
-          <p:txBody>
-            <a:bodyPr wrap="none" anchor="ctr">
-              <a:prstTxWarp prst="textNoShape">
-                <a:avLst/>
-              </a:prstTxWarp>
-            </a:bodyPr>
-            <a:lstStyle/>
-            <a:p>
-              <a:pPr algn="ctr" eaLnBrk="0" fontAlgn="base" hangingPunct="0">
-                <a:spcBef>
-                  <a:spcPct val="0"/>
-                </a:spcBef>
-                <a:spcAft>
-                  <a:spcPct val="0"/>
-                </a:spcAft>
-              </a:pPr>
-              <a:r>
-                <a:rPr lang="en-US" sz="1100" dirty="0">
-                  <a:solidFill>
-                    <a:srgbClr val="000000"/>
-                  </a:solidFill>
-                </a:rPr>
-                <a:t>address</a:t>
-              </a:r>
-            </a:p>
-          </p:txBody>
-        </p:sp>
-        <p:cxnSp>
-          <p:nvCxnSpPr>
-            <p:cNvPr id="43" name="Straight Connector 42"/>
-            <p:cNvCxnSpPr/>
-            <p:nvPr/>
-          </p:nvCxnSpPr>
-          <p:spPr bwMode="auto">
-            <a:xfrm rot="16200000" flipH="1">
-              <a:off x="3091746" y="5093101"/>
-              <a:ext cx="308591" cy="293300"/>
-            </a:xfrm>
-            <a:prstGeom prst="line">
-              <a:avLst/>
-            </a:prstGeom>
-            <a:solidFill>
-              <a:srgbClr val="C0C0C0">
-                <a:alpha val="50000"/>
-              </a:srgbClr>
-            </a:solidFill>
-            <a:ln w="9525" cap="flat" cmpd="sng" algn="ctr">
-              <a:solidFill>
-                <a:schemeClr val="tx1"/>
-              </a:solidFill>
-              <a:prstDash val="solid"/>
-              <a:round/>
-              <a:headEnd type="none" w="med" len="med"/>
-              <a:tailEnd type="none" w="med" len="med"/>
-            </a:ln>
-            <a:effectLst/>
-          </p:spPr>
-        </p:cxnSp>
-        <p:cxnSp>
-          <p:nvCxnSpPr>
-            <p:cNvPr id="44" name="Straight Connector 43"/>
-            <p:cNvCxnSpPr/>
-            <p:nvPr/>
-          </p:nvCxnSpPr>
-          <p:spPr bwMode="auto">
-            <a:xfrm rot="5400000">
-              <a:off x="3449434" y="5126460"/>
-              <a:ext cx="210843" cy="324327"/>
-            </a:xfrm>
-            <a:prstGeom prst="line">
-              <a:avLst/>
-            </a:prstGeom>
-            <a:solidFill>
-              <a:srgbClr val="C0C0C0">
-                <a:alpha val="50000"/>
-              </a:srgbClr>
-            </a:solidFill>
-            <a:ln w="9525" cap="flat" cmpd="sng" algn="ctr">
-              <a:solidFill>
-                <a:schemeClr val="tx1"/>
-              </a:solidFill>
-              <a:prstDash val="solid"/>
-              <a:round/>
-              <a:headEnd type="none" w="med" len="med"/>
-              <a:tailEnd type="none" w="med" len="med"/>
-            </a:ln>
-            <a:effectLst/>
-          </p:spPr>
-        </p:cxnSp>
-        <p:cxnSp>
-          <p:nvCxnSpPr>
-            <p:cNvPr id="45" name="Straight Connector 44"/>
-            <p:cNvCxnSpPr>
-              <a:stCxn id="40" idx="3"/>
-              <a:endCxn id="16" idx="2"/>
-            </p:cNvCxnSpPr>
-            <p:nvPr/>
-          </p:nvCxnSpPr>
-          <p:spPr bwMode="auto">
-            <a:xfrm flipV="1">
-              <a:off x="3738641" y="4519874"/>
-              <a:ext cx="908117" cy="1021761"/>
-            </a:xfrm>
-            <a:prstGeom prst="line">
-              <a:avLst/>
-            </a:prstGeom>
-            <a:solidFill>
-              <a:srgbClr val="C0C0C0">
-                <a:alpha val="50000"/>
-              </a:srgbClr>
-            </a:solidFill>
-            <a:ln w="9525" cap="flat" cmpd="sng" algn="ctr">
-              <a:solidFill>
-                <a:schemeClr val="tx1"/>
-              </a:solidFill>
-              <a:prstDash val="solid"/>
-              <a:round/>
-              <a:headEnd type="none" w="med" len="med"/>
-              <a:tailEnd type="none" w="med" len="med"/>
-            </a:ln>
-            <a:effectLst/>
-          </p:spPr>
-        </p:cxnSp>
-      </p:grpSp>
-      <p:sp>
-        <p:nvSpPr>
-          <p:cNvPr id="9" name="TextBox 8"/>
-          <p:cNvSpPr txBox="1"/>
-          <p:nvPr/>
-        </p:nvSpPr>
-        <p:spPr>
-          <a:xfrm>
-            <a:off x="997687" y="2125267"/>
-            <a:ext cx="8017725" cy="523220"/>
-          </a:xfrm>
-          <a:prstGeom prst="rect">
-            <a:avLst/>
-          </a:prstGeom>
-          <a:noFill/>
-        </p:spPr>
-        <p:txBody>
-          <a:bodyPr wrap="square" rtlCol="0">
-            <a:spAutoFit/>
-          </a:bodyPr>
-          <a:lstStyle/>
-          <a:p>
-            <a:r>
-              <a:rPr lang="en-US" sz="2800" dirty="0"/>
-              <a:t>How do we represent this as a relational schema?</a:t>
-            </a:r>
+            <a:endParaRPr lang="en-US"/>
           </a:p>
         </p:txBody>
       </p:sp>
     </p:spTree>
     <p:extLst>
       <p:ext uri="{BB962C8B-B14F-4D97-AF65-F5344CB8AC3E}">
-        <p14:creationId xmlns:p14="http://schemas.microsoft.com/office/powerpoint/2010/main" val="3688830432"/>
+        <p14:creationId xmlns:p14="http://schemas.microsoft.com/office/powerpoint/2010/main" val="2851346378"/>
       </p:ext>
     </p:extLst>
   </p:cSld>
@@ -50612,6 +51964,154 @@
           <a:lstStyle/>
           <a:p>
             <a:r>
+              <a:rPr lang="en-US" dirty="0"/>
+              <a:t>From E/R Diagram to Relational Schema</a:t>
+            </a:r>
+          </a:p>
+        </p:txBody>
+      </p:sp>
+      <p:sp>
+        <p:nvSpPr>
+          <p:cNvPr id="4" name="Slide Number Placeholder 3"/>
+          <p:cNvSpPr>
+            <a:spLocks noGrp="1"/>
+          </p:cNvSpPr>
+          <p:nvPr>
+            <p:ph type="sldNum" sz="quarter" idx="12"/>
+          </p:nvPr>
+        </p:nvSpPr>
+        <p:spPr/>
+        <p:txBody>
+          <a:bodyPr/>
+          <a:lstStyle/>
+          <a:p>
+            <a:pPr>
+              <a:defRPr/>
+            </a:pPr>
+            <a:fld id="{C3D4CD00-30DF-8443-816B-88C3C65D8B99}" type="slidenum">
+              <a:rPr lang="en-US" smtClean="0">
+                <a:solidFill>
+                  <a:srgbClr val="000000"/>
+                </a:solidFill>
+              </a:rPr>
+              <a:pPr>
+                <a:defRPr/>
+              </a:pPr>
+              <a:t>51</a:t>
+            </a:fld>
+            <a:endParaRPr lang="en-US">
+              <a:solidFill>
+                <a:srgbClr val="000000"/>
+              </a:solidFill>
+            </a:endParaRPr>
+          </a:p>
+        </p:txBody>
+      </p:sp>
+      <p:sp>
+        <p:nvSpPr>
+          <p:cNvPr id="9" name="TextBox 8"/>
+          <p:cNvSpPr txBox="1"/>
+          <p:nvPr/>
+        </p:nvSpPr>
+        <p:spPr>
+          <a:xfrm>
+            <a:off x="997687" y="2125267"/>
+            <a:ext cx="8017725" cy="523220"/>
+          </a:xfrm>
+          <a:prstGeom prst="rect">
+            <a:avLst/>
+          </a:prstGeom>
+          <a:noFill/>
+        </p:spPr>
+        <p:txBody>
+          <a:bodyPr wrap="square" rtlCol="0">
+            <a:spAutoFit/>
+          </a:bodyPr>
+          <a:lstStyle/>
+          <a:p>
+            <a:r>
+              <a:rPr lang="en-US" sz="2800" dirty="0"/>
+              <a:t>How do we represent this as a relational schema?</a:t>
+            </a:r>
+          </a:p>
+        </p:txBody>
+      </p:sp>
+      <p:pic>
+        <p:nvPicPr>
+          <p:cNvPr id="6" name="Picture 5">
+            <a:extLst>
+              <a:ext uri="{FF2B5EF4-FFF2-40B4-BE49-F238E27FC236}">
+                <a16:creationId xmlns:a16="http://schemas.microsoft.com/office/drawing/2014/main" id="{38033CC6-3E54-084B-B8D4-7938BECE4B7F}"/>
+              </a:ext>
+            </a:extLst>
+          </p:cNvPr>
+          <p:cNvPicPr>
+            <a:picLocks noChangeAspect="1"/>
+          </p:cNvPicPr>
+          <p:nvPr/>
+        </p:nvPicPr>
+        <p:blipFill>
+          <a:blip r:embed="rId2"/>
+          <a:stretch>
+            <a:fillRect/>
+          </a:stretch>
+        </p:blipFill>
+        <p:spPr>
+          <a:xfrm>
+            <a:off x="2341417" y="2968431"/>
+            <a:ext cx="4973205" cy="3139690"/>
+          </a:xfrm>
+          <a:prstGeom prst="rect">
+            <a:avLst/>
+          </a:prstGeom>
+        </p:spPr>
+      </p:pic>
+    </p:spTree>
+    <p:extLst>
+      <p:ext uri="{BB962C8B-B14F-4D97-AF65-F5344CB8AC3E}">
+        <p14:creationId xmlns:p14="http://schemas.microsoft.com/office/powerpoint/2010/main" val="3688830432"/>
+      </p:ext>
+    </p:extLst>
+  </p:cSld>
+  <p:clrMapOvr>
+    <a:masterClrMapping/>
+  </p:clrMapOvr>
+</p:sld>
+</file>
+
+<file path=ppt/slides/slide52.xml><?xml version="1.0" encoding="utf-8"?>
+<p:sld xmlns:a="http://schemas.openxmlformats.org/drawingml/2006/main" xmlns:r="http://schemas.openxmlformats.org/officeDocument/2006/relationships" xmlns:p="http://schemas.openxmlformats.org/presentationml/2006/main">
+  <p:cSld>
+    <p:spTree>
+      <p:nvGrpSpPr>
+        <p:cNvPr id="1" name=""/>
+        <p:cNvGrpSpPr/>
+        <p:nvPr/>
+      </p:nvGrpSpPr>
+      <p:grpSpPr>
+        <a:xfrm>
+          <a:off x="0" y="0"/>
+          <a:ext cx="0" cy="0"/>
+          <a:chOff x="0" y="0"/>
+          <a:chExt cx="0" cy="0"/>
+        </a:xfrm>
+      </p:grpSpPr>
+      <p:sp>
+        <p:nvSpPr>
+          <p:cNvPr id="2" name="Title 1"/>
+          <p:cNvSpPr>
+            <a:spLocks noGrp="1"/>
+          </p:cNvSpPr>
+          <p:nvPr>
+            <p:ph type="title"/>
+          </p:nvPr>
+        </p:nvSpPr>
+        <p:spPr/>
+        <p:txBody>
+          <a:bodyPr/>
+          <a:lstStyle/>
+          <a:p>
+            <a:r>
               <a:rPr lang="en-US" altLang="zh-CN" dirty="0"/>
               <a:t>Acknowledge</a:t>
             </a:r>
@@ -51196,7 +52696,7 @@
           <a:p>
             <a:fld id="{24AF9547-1ADA-7741-9454-C97103F281DA}" type="slidenum">
               <a:rPr lang="en-US" smtClean="0"/>
-              <a:t>51</a:t>
+              <a:t>52</a:t>
             </a:fld>
             <a:endParaRPr lang="en-US"/>
           </a:p>
